--- a/conference_poster/poster_landscape.pptx
+++ b/conference_poster/poster_landscape.pptx
@@ -254,7 +254,7 @@
           <a:p>
             <a:fld id="{FC1513DE-9E53-4E09-B182-B426A59C8F3C}" type="datetimeFigureOut">
               <a:rPr lang="en-CA" smtClean="0"/>
-              <a:t>2016-05-03</a:t>
+              <a:t>2016-05-12</a:t>
             </a:fld>
             <a:endParaRPr lang="en-CA"/>
           </a:p>
@@ -424,7 +424,7 @@
           <a:p>
             <a:fld id="{FC1513DE-9E53-4E09-B182-B426A59C8F3C}" type="datetimeFigureOut">
               <a:rPr lang="en-CA" smtClean="0"/>
-              <a:t>2016-05-03</a:t>
+              <a:t>2016-05-12</a:t>
             </a:fld>
             <a:endParaRPr lang="en-CA"/>
           </a:p>
@@ -604,7 +604,7 @@
           <a:p>
             <a:fld id="{FC1513DE-9E53-4E09-B182-B426A59C8F3C}" type="datetimeFigureOut">
               <a:rPr lang="en-CA" smtClean="0"/>
-              <a:t>2016-05-03</a:t>
+              <a:t>2016-05-12</a:t>
             </a:fld>
             <a:endParaRPr lang="en-CA"/>
           </a:p>
@@ -774,7 +774,7 @@
           <a:p>
             <a:fld id="{FC1513DE-9E53-4E09-B182-B426A59C8F3C}" type="datetimeFigureOut">
               <a:rPr lang="en-CA" smtClean="0"/>
-              <a:t>2016-05-03</a:t>
+              <a:t>2016-05-12</a:t>
             </a:fld>
             <a:endParaRPr lang="en-CA"/>
           </a:p>
@@ -1018,7 +1018,7 @@
           <a:p>
             <a:fld id="{FC1513DE-9E53-4E09-B182-B426A59C8F3C}" type="datetimeFigureOut">
               <a:rPr lang="en-CA" smtClean="0"/>
-              <a:t>2016-05-03</a:t>
+              <a:t>2016-05-12</a:t>
             </a:fld>
             <a:endParaRPr lang="en-CA"/>
           </a:p>
@@ -1250,7 +1250,7 @@
           <a:p>
             <a:fld id="{FC1513DE-9E53-4E09-B182-B426A59C8F3C}" type="datetimeFigureOut">
               <a:rPr lang="en-CA" smtClean="0"/>
-              <a:t>2016-05-03</a:t>
+              <a:t>2016-05-12</a:t>
             </a:fld>
             <a:endParaRPr lang="en-CA"/>
           </a:p>
@@ -1617,7 +1617,7 @@
           <a:p>
             <a:fld id="{FC1513DE-9E53-4E09-B182-B426A59C8F3C}" type="datetimeFigureOut">
               <a:rPr lang="en-CA" smtClean="0"/>
-              <a:t>2016-05-03</a:t>
+              <a:t>2016-05-12</a:t>
             </a:fld>
             <a:endParaRPr lang="en-CA"/>
           </a:p>
@@ -1735,7 +1735,7 @@
           <a:p>
             <a:fld id="{FC1513DE-9E53-4E09-B182-B426A59C8F3C}" type="datetimeFigureOut">
               <a:rPr lang="en-CA" smtClean="0"/>
-              <a:t>2016-05-03</a:t>
+              <a:t>2016-05-12</a:t>
             </a:fld>
             <a:endParaRPr lang="en-CA"/>
           </a:p>
@@ -1830,7 +1830,7 @@
           <a:p>
             <a:fld id="{FC1513DE-9E53-4E09-B182-B426A59C8F3C}" type="datetimeFigureOut">
               <a:rPr lang="en-CA" smtClean="0"/>
-              <a:t>2016-05-03</a:t>
+              <a:t>2016-05-12</a:t>
             </a:fld>
             <a:endParaRPr lang="en-CA"/>
           </a:p>
@@ -2107,7 +2107,7 @@
           <a:p>
             <a:fld id="{FC1513DE-9E53-4E09-B182-B426A59C8F3C}" type="datetimeFigureOut">
               <a:rPr lang="en-CA" smtClean="0"/>
-              <a:t>2016-05-03</a:t>
+              <a:t>2016-05-12</a:t>
             </a:fld>
             <a:endParaRPr lang="en-CA"/>
           </a:p>
@@ -2364,7 +2364,7 @@
           <a:p>
             <a:fld id="{FC1513DE-9E53-4E09-B182-B426A59C8F3C}" type="datetimeFigureOut">
               <a:rPr lang="en-CA" smtClean="0"/>
-              <a:t>2016-05-03</a:t>
+              <a:t>2016-05-12</a:t>
             </a:fld>
             <a:endParaRPr lang="en-CA"/>
           </a:p>
@@ -2577,7 +2577,7 @@
           <a:p>
             <a:fld id="{FC1513DE-9E53-4E09-B182-B426A59C8F3C}" type="datetimeFigureOut">
               <a:rPr lang="en-CA" smtClean="0"/>
-              <a:t>2016-05-03</a:t>
+              <a:t>2016-05-12</a:t>
             </a:fld>
             <a:endParaRPr lang="en-CA"/>
           </a:p>
@@ -2982,6 +2982,36 @@
           <a:chExt cx="0" cy="0"/>
         </a:xfrm>
       </p:grpSpPr>
+      <p:pic>
+        <p:nvPicPr>
+          <p:cNvPr id="14" name="Picture 13"/>
+          <p:cNvPicPr>
+            <a:picLocks noChangeAspect="1"/>
+          </p:cNvPicPr>
+          <p:nvPr/>
+        </p:nvPicPr>
+        <p:blipFill>
+          <a:blip r:embed="rId2">
+            <a:extLst>
+              <a:ext uri="{28A0092B-C50C-407E-A947-70E740481C1C}">
+                <a14:useLocalDpi xmlns:a14="http://schemas.microsoft.com/office/drawing/2010/main" val="0"/>
+              </a:ext>
+            </a:extLst>
+          </a:blip>
+          <a:stretch>
+            <a:fillRect/>
+          </a:stretch>
+        </p:blipFill>
+        <p:spPr>
+          <a:xfrm>
+            <a:off x="21347683" y="7185490"/>
+            <a:ext cx="6284473" cy="7287782"/>
+          </a:xfrm>
+          <a:prstGeom prst="rect">
+            <a:avLst/>
+          </a:prstGeom>
+        </p:spPr>
+      </p:pic>
       <p:sp>
         <p:nvSpPr>
           <p:cNvPr id="21" name="Rectangle 20"/>
@@ -3051,7 +3081,7 @@
                 <a:latin typeface="Helvetica Neue Bold Condensed" pitchFamily="-111" charset="0"/>
                 <a:sym typeface="Helvetica Neue Bold Condensed" pitchFamily="-111" charset="0"/>
               </a:rPr>
-              <a:t>Photometry</a:t>
+              <a:t>M83 &amp; Photometry</a:t>
             </a:r>
             <a:endParaRPr lang="en-US" altLang="en-US" sz="7200" b="1" dirty="0">
               <a:solidFill>
@@ -3063,36 +3093,6 @@
           </a:p>
         </p:txBody>
       </p:sp>
-      <p:pic>
-        <p:nvPicPr>
-          <p:cNvPr id="22" name="Picture 21"/>
-          <p:cNvPicPr>
-            <a:picLocks noChangeAspect="1"/>
-          </p:cNvPicPr>
-          <p:nvPr/>
-        </p:nvPicPr>
-        <p:blipFill>
-          <a:blip r:embed="rId2">
-            <a:extLst>
-              <a:ext uri="{28A0092B-C50C-407E-A947-70E740481C1C}">
-                <a14:useLocalDpi xmlns:a14="http://schemas.microsoft.com/office/drawing/2010/main" val="0"/>
-              </a:ext>
-            </a:extLst>
-          </a:blip>
-          <a:stretch>
-            <a:fillRect/>
-          </a:stretch>
-        </p:blipFill>
-        <p:spPr>
-          <a:xfrm>
-            <a:off x="416701" y="16417418"/>
-            <a:ext cx="13590122" cy="8710801"/>
-          </a:xfrm>
-          <a:prstGeom prst="rect">
-            <a:avLst/>
-          </a:prstGeom>
-        </p:spPr>
-      </p:pic>
       <p:sp>
         <p:nvSpPr>
           <p:cNvPr id="49" name="Rectangle 5"/>
@@ -3103,8 +3103,8 @@
         </p:nvSpPr>
         <p:spPr bwMode="auto">
           <a:xfrm>
-            <a:off x="440345" y="25486815"/>
-            <a:ext cx="13590122" cy="7004865"/>
+            <a:off x="440345" y="23139991"/>
+            <a:ext cx="13590122" cy="9351689"/>
           </a:xfrm>
           <a:prstGeom prst="rect">
             <a:avLst/>
@@ -3241,42 +3241,29 @@
             </a:lvl9pPr>
           </a:lstStyle>
           <a:p>
-            <a:pPr algn="l"/>
-            <a:r>
-              <a:rPr lang="en-CA" sz="6000" dirty="0">
+            <a:pPr algn="just"/>
+            <a:r>
+              <a:rPr lang="en-CA" sz="4500" dirty="0" smtClean="0">
                 <a:latin typeface="+mn-lt"/>
               </a:rPr>
-              <a:t>Photometry is the measurement </a:t>
-            </a:r>
-            <a:r>
-              <a:rPr lang="en-CA" sz="6000" dirty="0" smtClean="0">
+              <a:t>The M83 galaxy is located in the Centaurus A Group, 15 million light years away. M83 is a “barred spiral” galaxy, as it has a bar of stars through its center that push gas towards its center. This funnel of gas creates a very active star forming region near its center, creating many new stars.</a:t>
+            </a:r>
+          </a:p>
+          <a:p>
+            <a:pPr algn="l"/>
+            <a:endParaRPr lang="en-CA" sz="1800" dirty="0" smtClean="0">
+              <a:latin typeface="+mn-lt"/>
+            </a:endParaRPr>
+          </a:p>
+          <a:p>
+            <a:pPr algn="just"/>
+            <a:r>
+              <a:rPr lang="en-CA" sz="4500" dirty="0" smtClean="0">
                 <a:latin typeface="+mn-lt"/>
               </a:rPr>
-              <a:t>and study of </a:t>
-            </a:r>
-            <a:r>
-              <a:rPr lang="en-CA" sz="6000" dirty="0">
-                <a:latin typeface="+mn-lt"/>
-              </a:rPr>
-              <a:t>the amount of electromagnetic radiation that telescopes receive from celestial </a:t>
-            </a:r>
-            <a:r>
-              <a:rPr lang="en-CA" sz="6000" dirty="0" smtClean="0">
-                <a:latin typeface="+mn-lt"/>
-              </a:rPr>
-              <a:t>objects. Each object emits a specific set of wavelengths of light, which may not be visible to the eye, but reveal clues about the physical properties of the object. </a:t>
-            </a:r>
-            <a:endParaRPr lang="en-CA" sz="6000" dirty="0">
-              <a:latin typeface="+mn-lt"/>
-            </a:endParaRPr>
-          </a:p>
-          <a:p>
-            <a:pPr algn="l" eaLnBrk="1" hangingPunct="1">
-              <a:lnSpc>
-                <a:spcPct val="110000"/>
-              </a:lnSpc>
-            </a:pPr>
-            <a:endParaRPr lang="en-US" altLang="en-US" sz="2025" b="1" dirty="0">
+              <a:t>Photometry is the measurement and study of the amount of electromagnetic radiation that telescopes receive from celestial objects. Each object emits a specific set of wavelengths of light, which may not be visible to the eye, but reveals clues about the physical properties of the object. The data set used contains 67,840 point sources over 10 wavelengths, each measured using two apertures. </a:t>
+            </a:r>
+            <a:endParaRPr lang="en-US" altLang="en-US" sz="4500" b="1" dirty="0">
               <a:solidFill>
                 <a:schemeClr val="tx1"/>
               </a:solidFill>
@@ -3287,69 +3274,6 @@
           </a:p>
         </p:txBody>
       </p:sp>
-      <p:pic>
-        <p:nvPicPr>
-          <p:cNvPr id="24" name="Picture 23"/>
-          <p:cNvPicPr>
-            <a:picLocks noChangeAspect="1"/>
-          </p:cNvPicPr>
-          <p:nvPr/>
-        </p:nvPicPr>
-        <p:blipFill>
-          <a:blip r:embed="rId3">
-            <a:extLst>
-              <a:ext uri="{28A0092B-C50C-407E-A947-70E740481C1C}">
-                <a14:useLocalDpi xmlns:a14="http://schemas.microsoft.com/office/drawing/2010/main" val="0"/>
-              </a:ext>
-            </a:extLst>
-          </a:blip>
-          <a:stretch>
-            <a:fillRect/>
-          </a:stretch>
-        </p:blipFill>
-        <p:spPr>
-          <a:xfrm>
-            <a:off x="29196329" y="5838271"/>
-            <a:ext cx="8255971" cy="8230995"/>
-          </a:xfrm>
-          <a:prstGeom prst="rect">
-            <a:avLst/>
-          </a:prstGeom>
-          <a:ln>
-            <a:noFill/>
-          </a:ln>
-        </p:spPr>
-      </p:pic>
-      <p:pic>
-        <p:nvPicPr>
-          <p:cNvPr id="57" name="Picture 56"/>
-          <p:cNvPicPr>
-            <a:picLocks noChangeAspect="1"/>
-          </p:cNvPicPr>
-          <p:nvPr/>
-        </p:nvPicPr>
-        <p:blipFill>
-          <a:blip r:embed="rId4">
-            <a:extLst>
-              <a:ext uri="{28A0092B-C50C-407E-A947-70E740481C1C}">
-                <a14:useLocalDpi xmlns:a14="http://schemas.microsoft.com/office/drawing/2010/main" val="0"/>
-              </a:ext>
-            </a:extLst>
-          </a:blip>
-          <a:stretch>
-            <a:fillRect/>
-          </a:stretch>
-        </p:blipFill>
-        <p:spPr>
-          <a:xfrm>
-            <a:off x="14372352" y="5706100"/>
-            <a:ext cx="8618656" cy="8363166"/>
-          </a:xfrm>
-          <a:prstGeom prst="rect">
-            <a:avLst/>
-          </a:prstGeom>
-        </p:spPr>
-      </p:pic>
       <p:grpSp>
         <p:nvGrpSpPr>
           <p:cNvPr id="6" name="Group 5"/>
@@ -3703,7 +3627,7 @@
           </p:nvSpPr>
           <p:spPr bwMode="auto">
             <a:xfrm>
-              <a:off x="11334347" y="1865110"/>
+              <a:off x="11745279" y="1871097"/>
               <a:ext cx="18380225" cy="1342327"/>
             </a:xfrm>
             <a:prstGeom prst="rect">
@@ -3854,40 +3778,54 @@
             <a:p>
               <a:pPr eaLnBrk="1" hangingPunct="1"/>
               <a:r>
-                <a:rPr lang="en-US" altLang="en-US" sz="3200" b="1" dirty="0">
+                <a:rPr lang="en-US" altLang="en-US" sz="4400" b="1" dirty="0">
                   <a:solidFill>
                     <a:schemeClr val="bg1"/>
                   </a:solidFill>
                   <a:latin typeface="Helvetica Neue Bold Condensed" pitchFamily="-111" charset="0"/>
                   <a:sym typeface="Helvetica Neue Bold Condensed" pitchFamily="-111" charset="0"/>
                 </a:rPr>
-                <a:t>Alexander K. Kiar</a:t>
+                <a:t>Alexander K. </a:t>
               </a:r>
-            </a:p>
-            <a:p>
-              <a:pPr eaLnBrk="1" hangingPunct="1"/>
               <a:r>
-                <a:rPr lang="en-US" altLang="en-US" sz="3200" b="1" dirty="0">
+                <a:rPr lang="en-US" altLang="en-US" sz="4400" b="1" dirty="0" smtClean="0">
                   <a:solidFill>
                     <a:schemeClr val="bg1"/>
                   </a:solidFill>
                   <a:latin typeface="Helvetica Neue Bold Condensed" pitchFamily="-111" charset="0"/>
                   <a:sym typeface="Helvetica Neue Bold Condensed" pitchFamily="-111" charset="0"/>
                 </a:rPr>
-                <a:t>Supervisor: Dr. P. Barmby </a:t>
+                <a:t>Kiar, Dr. P. Barmby</a:t>
               </a:r>
+              <a:endParaRPr lang="en-US" altLang="en-US" sz="4400" b="1" dirty="0">
+                <a:solidFill>
+                  <a:schemeClr val="bg1"/>
+                </a:solidFill>
+                <a:latin typeface="Helvetica Neue Bold Condensed" pitchFamily="-111" charset="0"/>
+                <a:sym typeface="Helvetica Neue Bold Condensed" pitchFamily="-111" charset="0"/>
+              </a:endParaRPr>
             </a:p>
             <a:p>
               <a:pPr eaLnBrk="1" hangingPunct="1"/>
               <a:r>
-                <a:rPr lang="en-US" altLang="en-US" sz="3200" b="1" dirty="0">
+                <a:rPr lang="en-US" altLang="en-US" sz="4400" b="1" dirty="0" smtClean="0">
                   <a:solidFill>
                     <a:schemeClr val="bg1"/>
                   </a:solidFill>
                   <a:latin typeface="Helvetica Neue Bold Condensed" pitchFamily="-111" charset="0"/>
                   <a:sym typeface="Helvetica Neue Bold Condensed" pitchFamily="-111" charset="0"/>
                 </a:rPr>
-                <a:t>Western University</a:t>
+                <a:t>Department of Physics and Astronomy, Western </a:t>
+              </a:r>
+              <a:r>
+                <a:rPr lang="en-US" altLang="en-US" sz="4400" b="1" dirty="0">
+                  <a:solidFill>
+                    <a:schemeClr val="bg1"/>
+                  </a:solidFill>
+                  <a:latin typeface="Helvetica Neue Bold Condensed" pitchFamily="-111" charset="0"/>
+                  <a:sym typeface="Helvetica Neue Bold Condensed" pitchFamily="-111" charset="0"/>
+                </a:rPr>
+                <a:t>University</a:t>
               </a:r>
             </a:p>
           </p:txBody>
@@ -3901,7 +3839,7 @@
             <p:nvPr/>
           </p:nvPicPr>
           <p:blipFill>
-            <a:blip r:embed="rId5">
+            <a:blip r:embed="rId3">
               <a:extLst>
                 <a:ext uri="{28A0092B-C50C-407E-A947-70E740481C1C}">
                   <a14:useLocalDpi xmlns:a14="http://schemas.microsoft.com/office/drawing/2010/main" val="0"/>
@@ -4025,8 +3963,8 @@
         </p:nvSpPr>
         <p:spPr bwMode="auto">
           <a:xfrm>
-            <a:off x="14299229" y="16417418"/>
-            <a:ext cx="13010851" cy="16074262"/>
+            <a:off x="14360189" y="16417418"/>
+            <a:ext cx="14595811" cy="7762739"/>
           </a:xfrm>
           <a:prstGeom prst="rect">
             <a:avLst/>
@@ -4163,13 +4101,13 @@
             </a:lvl9pPr>
           </a:lstStyle>
           <a:p>
-            <a:pPr algn="l" eaLnBrk="1" hangingPunct="1">
+            <a:pPr algn="just">
               <a:lnSpc>
                 <a:spcPct val="110000"/>
               </a:lnSpc>
             </a:pPr>
             <a:r>
-              <a:rPr lang="en-US" altLang="en-US" sz="6000" i="1" dirty="0" smtClean="0">
+              <a:rPr lang="en-US" altLang="en-US" sz="3200" b="1" dirty="0" smtClean="0">
                 <a:solidFill>
                   <a:schemeClr val="tx1"/>
                 </a:solidFill>
@@ -4177,19 +4115,10 @@
                 <a:cs typeface="Helvetica" panose="020B0604020202020204" pitchFamily="34" charset="0"/>
                 <a:sym typeface="Helvetica" panose="020B0604020202020204" pitchFamily="34" charset="0"/>
               </a:rPr>
-              <a:t>-   Trends in silhouette score </a:t>
-            </a:r>
-          </a:p>
-          <a:p>
-            <a:pPr marL="857250" indent="-857250" algn="l" eaLnBrk="1" hangingPunct="1">
-              <a:lnSpc>
-                <a:spcPct val="110000"/>
-              </a:lnSpc>
-              <a:buFontTx/>
-              <a:buChar char="-"/>
-            </a:pPr>
-            <a:r>
-              <a:rPr lang="en-US" altLang="en-US" sz="6000" i="1" dirty="0" smtClean="0">
+              <a:t>Right: </a:t>
+            </a:r>
+            <a:r>
+              <a:rPr lang="en-US" altLang="en-US" sz="3200" dirty="0" smtClean="0">
                 <a:solidFill>
                   <a:schemeClr val="tx1"/>
                 </a:solidFill>
@@ -4197,19 +4126,10 @@
                 <a:cs typeface="Helvetica" panose="020B0604020202020204" pitchFamily="34" charset="0"/>
                 <a:sym typeface="Helvetica" panose="020B0604020202020204" pitchFamily="34" charset="0"/>
               </a:rPr>
-              <a:t>Wavelengths that give the best spread of objects/cluster</a:t>
-            </a:r>
-          </a:p>
-          <a:p>
-            <a:pPr marL="857250" indent="-857250" algn="l" eaLnBrk="1" hangingPunct="1">
-              <a:lnSpc>
-                <a:spcPct val="110000"/>
-              </a:lnSpc>
-              <a:buFontTx/>
-              <a:buChar char="-"/>
-            </a:pPr>
-            <a:r>
-              <a:rPr lang="en-US" altLang="en-US" sz="6000" i="1" dirty="0" smtClean="0">
+              <a:t>The first panel shows the optimal number of clusters generally lies between 5 and 10. The second panel shows that as the accuracy increases, the lowest proportion of objects in each cluster increases as well. </a:t>
+            </a:r>
+            <a:r>
+              <a:rPr lang="en-US" altLang="en-US" sz="3200" dirty="0">
                 <a:solidFill>
                   <a:schemeClr val="tx1"/>
                 </a:solidFill>
@@ -4217,19 +4137,25 @@
                 <a:cs typeface="Helvetica" panose="020B0604020202020204" pitchFamily="34" charset="0"/>
                 <a:sym typeface="Helvetica" panose="020B0604020202020204" pitchFamily="34" charset="0"/>
               </a:rPr>
-              <a:t>Location of certain types of objects based on color</a:t>
-            </a:r>
-          </a:p>
-          <a:p>
-            <a:pPr marL="857250" indent="-857250" algn="l" eaLnBrk="1" hangingPunct="1">
+              <a:t>The clustering tends to become less accurate as the number of clusters imposed on the data increases. </a:t>
+            </a:r>
+            <a:endParaRPr lang="en-US" altLang="en-US" sz="3200" dirty="0" smtClean="0">
+              <a:solidFill>
+                <a:schemeClr val="tx1"/>
+              </a:solidFill>
+              <a:latin typeface="Helvetica" panose="020B0604020202020204" pitchFamily="34" charset="0"/>
+              <a:cs typeface="Helvetica" panose="020B0604020202020204" pitchFamily="34" charset="0"/>
+              <a:sym typeface="Helvetica" panose="020B0604020202020204" pitchFamily="34" charset="0"/>
+            </a:endParaRPr>
+          </a:p>
+          <a:p>
+            <a:pPr algn="just" eaLnBrk="1" hangingPunct="1">
               <a:lnSpc>
                 <a:spcPct val="110000"/>
               </a:lnSpc>
-              <a:buFontTx/>
-              <a:buChar char="-"/>
             </a:pPr>
             <a:r>
-              <a:rPr lang="en-US" altLang="en-US" sz="6000" i="1" dirty="0" smtClean="0">
+              <a:rPr lang="en-US" altLang="en-US" sz="3200" b="1" dirty="0" smtClean="0">
                 <a:solidFill>
                   <a:schemeClr val="tx1"/>
                 </a:solidFill>
@@ -4237,19 +4163,10 @@
                 <a:cs typeface="Helvetica" panose="020B0604020202020204" pitchFamily="34" charset="0"/>
                 <a:sym typeface="Helvetica" panose="020B0604020202020204" pitchFamily="34" charset="0"/>
               </a:rPr>
-              <a:t>Types of objects that are frequently found in certain colors</a:t>
-            </a:r>
-          </a:p>
-          <a:p>
-            <a:pPr marL="857250" indent="-857250" algn="l" eaLnBrk="1" hangingPunct="1">
-              <a:lnSpc>
-                <a:spcPct val="110000"/>
-              </a:lnSpc>
-              <a:buFontTx/>
-              <a:buChar char="-"/>
-            </a:pPr>
-            <a:r>
-              <a:rPr lang="en-US" altLang="en-US" sz="6000" i="1" dirty="0" smtClean="0">
+              <a:t>Bottom Left:</a:t>
+            </a:r>
+            <a:r>
+              <a:rPr lang="en-US" altLang="en-US" sz="3200" dirty="0" smtClean="0">
                 <a:solidFill>
                   <a:schemeClr val="tx1"/>
                 </a:solidFill>
@@ -4257,16 +4174,115 @@
                 <a:cs typeface="Helvetica" panose="020B0604020202020204" pitchFamily="34" charset="0"/>
                 <a:sym typeface="Helvetica" panose="020B0604020202020204" pitchFamily="34" charset="0"/>
               </a:rPr>
-              <a:t>What is the accuracy of the clustering? Compare to other lists of objects</a:t>
-            </a:r>
-          </a:p>
-          <a:p>
-            <a:pPr algn="l" eaLnBrk="1" hangingPunct="1">
+              <a:t> Mean-shift (1) and K-means (2) clustering performed on a combination of wavelengths. These panels show relationship between the methods. The number of clusters predicted by mean-shift accurately describes the data as the K-means plot shows. </a:t>
+            </a:r>
+          </a:p>
+          <a:p>
+            <a:pPr algn="just">
               <a:lnSpc>
                 <a:spcPct val="110000"/>
               </a:lnSpc>
             </a:pPr>
-            <a:endParaRPr lang="en-US" altLang="en-US" sz="6000" i="1" dirty="0" smtClean="0">
+            <a:r>
+              <a:rPr lang="en-US" altLang="en-US" sz="3200" b="1" dirty="0" smtClean="0">
+                <a:solidFill>
+                  <a:schemeClr val="tx1"/>
+                </a:solidFill>
+                <a:latin typeface="Helvetica" panose="020B0604020202020204" pitchFamily="34" charset="0"/>
+                <a:cs typeface="Helvetica" panose="020B0604020202020204" pitchFamily="34" charset="0"/>
+                <a:sym typeface="Helvetica" panose="020B0604020202020204" pitchFamily="34" charset="0"/>
+              </a:rPr>
+              <a:t>Bottom Right: </a:t>
+            </a:r>
+            <a:r>
+              <a:rPr lang="en-US" altLang="en-US" sz="3200" dirty="0">
+                <a:solidFill>
+                  <a:schemeClr val="tx1"/>
+                </a:solidFill>
+                <a:latin typeface="Helvetica" panose="020B0604020202020204" pitchFamily="34" charset="0"/>
+                <a:cs typeface="Helvetica" panose="020B0604020202020204" pitchFamily="34" charset="0"/>
+                <a:sym typeface="Helvetica" panose="020B0604020202020204" pitchFamily="34" charset="0"/>
+              </a:rPr>
+              <a:t>Mean-shift </a:t>
+            </a:r>
+            <a:r>
+              <a:rPr lang="en-US" altLang="en-US" sz="3200" dirty="0" smtClean="0">
+                <a:solidFill>
+                  <a:schemeClr val="tx1"/>
+                </a:solidFill>
+                <a:latin typeface="Helvetica" panose="020B0604020202020204" pitchFamily="34" charset="0"/>
+                <a:cs typeface="Helvetica" panose="020B0604020202020204" pitchFamily="34" charset="0"/>
+                <a:sym typeface="Helvetica" panose="020B0604020202020204" pitchFamily="34" charset="0"/>
+              </a:rPr>
+              <a:t>(1</a:t>
+            </a:r>
+            <a:r>
+              <a:rPr lang="en-US" altLang="en-US" sz="3200" dirty="0">
+                <a:solidFill>
+                  <a:schemeClr val="tx1"/>
+                </a:solidFill>
+                <a:latin typeface="Helvetica" panose="020B0604020202020204" pitchFamily="34" charset="0"/>
+                <a:cs typeface="Helvetica" panose="020B0604020202020204" pitchFamily="34" charset="0"/>
+                <a:sym typeface="Helvetica" panose="020B0604020202020204" pitchFamily="34" charset="0"/>
+              </a:rPr>
+              <a:t>) and K-means </a:t>
+            </a:r>
+            <a:r>
+              <a:rPr lang="en-US" altLang="en-US" sz="3200" dirty="0" smtClean="0">
+                <a:solidFill>
+                  <a:schemeClr val="tx1"/>
+                </a:solidFill>
+                <a:latin typeface="Helvetica" panose="020B0604020202020204" pitchFamily="34" charset="0"/>
+                <a:cs typeface="Helvetica" panose="020B0604020202020204" pitchFamily="34" charset="0"/>
+                <a:sym typeface="Helvetica" panose="020B0604020202020204" pitchFamily="34" charset="0"/>
+              </a:rPr>
+              <a:t>(2</a:t>
+            </a:r>
+            <a:r>
+              <a:rPr lang="en-US" altLang="en-US" sz="3200" dirty="0">
+                <a:solidFill>
+                  <a:schemeClr val="tx1"/>
+                </a:solidFill>
+                <a:latin typeface="Helvetica" panose="020B0604020202020204" pitchFamily="34" charset="0"/>
+                <a:cs typeface="Helvetica" panose="020B0604020202020204" pitchFamily="34" charset="0"/>
+                <a:sym typeface="Helvetica" panose="020B0604020202020204" pitchFamily="34" charset="0"/>
+              </a:rPr>
+              <a:t>) clustering performed on a </a:t>
+            </a:r>
+            <a:r>
+              <a:rPr lang="en-US" altLang="en-US" sz="3200" dirty="0" smtClean="0">
+                <a:solidFill>
+                  <a:schemeClr val="tx1"/>
+                </a:solidFill>
+                <a:latin typeface="Helvetica" panose="020B0604020202020204" pitchFamily="34" charset="0"/>
+                <a:cs typeface="Helvetica" panose="020B0604020202020204" pitchFamily="34" charset="0"/>
+                <a:sym typeface="Helvetica" panose="020B0604020202020204" pitchFamily="34" charset="0"/>
+              </a:rPr>
+              <a:t>different combination </a:t>
+            </a:r>
+            <a:r>
+              <a:rPr lang="en-US" altLang="en-US" sz="3200" dirty="0">
+                <a:solidFill>
+                  <a:schemeClr val="tx1"/>
+                </a:solidFill>
+                <a:latin typeface="Helvetica" panose="020B0604020202020204" pitchFamily="34" charset="0"/>
+                <a:cs typeface="Helvetica" panose="020B0604020202020204" pitchFamily="34" charset="0"/>
+                <a:sym typeface="Helvetica" panose="020B0604020202020204" pitchFamily="34" charset="0"/>
+              </a:rPr>
+              <a:t>of wavelengths. </a:t>
+            </a:r>
+            <a:r>
+              <a:rPr lang="en-US" altLang="en-US" sz="3200" dirty="0" smtClean="0">
+                <a:solidFill>
+                  <a:schemeClr val="tx1"/>
+                </a:solidFill>
+                <a:latin typeface="Helvetica" panose="020B0604020202020204" pitchFamily="34" charset="0"/>
+                <a:cs typeface="Helvetica" panose="020B0604020202020204" pitchFamily="34" charset="0"/>
+                <a:sym typeface="Helvetica" panose="020B0604020202020204" pitchFamily="34" charset="0"/>
+              </a:rPr>
+              <a:t>These panels show the loss of accuracy as the number of clusters increases. The number of clusters predicted by mean-shift divides the data excessively where the data is densest. However, k-means is able to effectively identify clusters as the data disperses. </a:t>
+            </a:r>
+            <a:endParaRPr lang="en-US" altLang="en-US" sz="3200" b="1" dirty="0" smtClean="0">
               <a:solidFill>
                 <a:schemeClr val="tx1"/>
               </a:solidFill>
@@ -4275,270 +4291,11 @@
               <a:sym typeface="Helvetica" panose="020B0604020202020204" pitchFamily="34" charset="0"/>
             </a:endParaRPr>
           </a:p>
-          <a:p>
-            <a:pPr marL="857250" indent="-857250" algn="l" eaLnBrk="1" hangingPunct="1">
-              <a:lnSpc>
-                <a:spcPct val="110000"/>
-              </a:lnSpc>
-              <a:buFontTx/>
-              <a:buChar char="-"/>
-            </a:pPr>
-            <a:endParaRPr lang="en-US" altLang="en-US" sz="6000" i="1" dirty="0" smtClean="0">
-              <a:solidFill>
-                <a:schemeClr val="tx1"/>
-              </a:solidFill>
-              <a:latin typeface="Helvetica" panose="020B0604020202020204" pitchFamily="34" charset="0"/>
-              <a:cs typeface="Helvetica" panose="020B0604020202020204" pitchFamily="34" charset="0"/>
-              <a:sym typeface="Helvetica" panose="020B0604020202020204" pitchFamily="34" charset="0"/>
-            </a:endParaRPr>
-          </a:p>
-          <a:p>
-            <a:pPr marL="857250" indent="-857250" algn="l" eaLnBrk="1" hangingPunct="1">
-              <a:lnSpc>
-                <a:spcPct val="110000"/>
-              </a:lnSpc>
-              <a:buFontTx/>
-              <a:buChar char="-"/>
-            </a:pPr>
-            <a:endParaRPr lang="en-US" altLang="en-US" sz="6000" i="1" dirty="0" smtClean="0">
-              <a:solidFill>
-                <a:schemeClr val="tx1"/>
-              </a:solidFill>
-              <a:latin typeface="Helvetica" panose="020B0604020202020204" pitchFamily="34" charset="0"/>
-              <a:cs typeface="Helvetica" panose="020B0604020202020204" pitchFamily="34" charset="0"/>
-              <a:sym typeface="Helvetica" panose="020B0604020202020204" pitchFamily="34" charset="0"/>
-            </a:endParaRPr>
-          </a:p>
-          <a:p>
-            <a:pPr algn="l" eaLnBrk="1" hangingPunct="1">
-              <a:lnSpc>
-                <a:spcPct val="110000"/>
-              </a:lnSpc>
-            </a:pPr>
-            <a:endParaRPr lang="en-US" altLang="en-US" sz="6000" i="1" dirty="0">
-              <a:solidFill>
-                <a:schemeClr val="tx1"/>
-              </a:solidFill>
-              <a:latin typeface="Helvetica" panose="020B0604020202020204" pitchFamily="34" charset="0"/>
-              <a:cs typeface="Helvetica" panose="020B0604020202020204" pitchFamily="34" charset="0"/>
-              <a:sym typeface="Helvetica" panose="020B0604020202020204" pitchFamily="34" charset="0"/>
-            </a:endParaRPr>
-          </a:p>
-          <a:p>
-            <a:pPr algn="l" eaLnBrk="1" hangingPunct="1">
-              <a:lnSpc>
-                <a:spcPct val="110000"/>
-              </a:lnSpc>
-            </a:pPr>
-            <a:endParaRPr lang="en-US" altLang="en-US" sz="6000" i="1" dirty="0" smtClean="0">
-              <a:solidFill>
-                <a:schemeClr val="tx1"/>
-              </a:solidFill>
-              <a:latin typeface="Helvetica" panose="020B0604020202020204" pitchFamily="34" charset="0"/>
-              <a:cs typeface="Helvetica" panose="020B0604020202020204" pitchFamily="34" charset="0"/>
-              <a:sym typeface="Helvetica" panose="020B0604020202020204" pitchFamily="34" charset="0"/>
-            </a:endParaRPr>
-          </a:p>
-          <a:p>
-            <a:pPr algn="l" eaLnBrk="1" hangingPunct="1">
-              <a:lnSpc>
-                <a:spcPct val="110000"/>
-              </a:lnSpc>
-            </a:pPr>
-            <a:endParaRPr lang="en-US" altLang="en-US" sz="6000" i="1" dirty="0">
-              <a:solidFill>
-                <a:schemeClr val="tx1"/>
-              </a:solidFill>
-              <a:latin typeface="Helvetica" panose="020B0604020202020204" pitchFamily="34" charset="0"/>
-              <a:cs typeface="Helvetica" panose="020B0604020202020204" pitchFamily="34" charset="0"/>
-              <a:sym typeface="Helvetica" panose="020B0604020202020204" pitchFamily="34" charset="0"/>
-            </a:endParaRPr>
-          </a:p>
-          <a:p>
-            <a:pPr algn="l" eaLnBrk="1" hangingPunct="1">
-              <a:lnSpc>
-                <a:spcPct val="110000"/>
-              </a:lnSpc>
-            </a:pPr>
-            <a:endParaRPr lang="en-US" altLang="en-US" sz="6000" i="1" dirty="0" smtClean="0">
-              <a:solidFill>
-                <a:schemeClr val="tx1"/>
-              </a:solidFill>
-              <a:latin typeface="Helvetica" panose="020B0604020202020204" pitchFamily="34" charset="0"/>
-              <a:cs typeface="Helvetica" panose="020B0604020202020204" pitchFamily="34" charset="0"/>
-              <a:sym typeface="Helvetica" panose="020B0604020202020204" pitchFamily="34" charset="0"/>
-            </a:endParaRPr>
-          </a:p>
-          <a:p>
-            <a:pPr algn="l" eaLnBrk="1" hangingPunct="1">
-              <a:lnSpc>
-                <a:spcPct val="110000"/>
-              </a:lnSpc>
-            </a:pPr>
-            <a:endParaRPr lang="en-US" altLang="en-US" sz="6000" i="1" dirty="0">
-              <a:solidFill>
-                <a:schemeClr val="tx1"/>
-              </a:solidFill>
-              <a:latin typeface="Helvetica" panose="020B0604020202020204" pitchFamily="34" charset="0"/>
-              <a:cs typeface="Helvetica" panose="020B0604020202020204" pitchFamily="34" charset="0"/>
-              <a:sym typeface="Helvetica" panose="020B0604020202020204" pitchFamily="34" charset="0"/>
-            </a:endParaRPr>
-          </a:p>
-          <a:p>
-            <a:pPr algn="l" eaLnBrk="1" hangingPunct="1">
-              <a:lnSpc>
-                <a:spcPct val="110000"/>
-              </a:lnSpc>
-            </a:pPr>
-            <a:endParaRPr lang="en-US" altLang="en-US" sz="6000" i="1" dirty="0" smtClean="0">
-              <a:solidFill>
-                <a:schemeClr val="tx1"/>
-              </a:solidFill>
-              <a:latin typeface="Helvetica" panose="020B0604020202020204" pitchFamily="34" charset="0"/>
-              <a:cs typeface="Helvetica" panose="020B0604020202020204" pitchFamily="34" charset="0"/>
-              <a:sym typeface="Helvetica" panose="020B0604020202020204" pitchFamily="34" charset="0"/>
-            </a:endParaRPr>
-          </a:p>
-          <a:p>
-            <a:pPr algn="l" eaLnBrk="1" hangingPunct="1">
-              <a:lnSpc>
-                <a:spcPct val="110000"/>
-              </a:lnSpc>
-            </a:pPr>
-            <a:endParaRPr lang="en-US" altLang="en-US" sz="6000" i="1" dirty="0">
-              <a:solidFill>
-                <a:schemeClr val="tx1"/>
-              </a:solidFill>
-              <a:latin typeface="Helvetica" panose="020B0604020202020204" pitchFamily="34" charset="0"/>
-              <a:cs typeface="Helvetica" panose="020B0604020202020204" pitchFamily="34" charset="0"/>
-              <a:sym typeface="Helvetica" panose="020B0604020202020204" pitchFamily="34" charset="0"/>
-            </a:endParaRPr>
-          </a:p>
-          <a:p>
-            <a:pPr algn="l" eaLnBrk="1" hangingPunct="1">
-              <a:lnSpc>
-                <a:spcPct val="110000"/>
-              </a:lnSpc>
-            </a:pPr>
-            <a:endParaRPr lang="en-US" altLang="en-US" sz="6000" i="1" dirty="0" smtClean="0">
-              <a:solidFill>
-                <a:schemeClr val="tx1"/>
-              </a:solidFill>
-              <a:latin typeface="Helvetica" panose="020B0604020202020204" pitchFamily="34" charset="0"/>
-              <a:cs typeface="Helvetica" panose="020B0604020202020204" pitchFamily="34" charset="0"/>
-              <a:sym typeface="Helvetica" panose="020B0604020202020204" pitchFamily="34" charset="0"/>
-            </a:endParaRPr>
-          </a:p>
-          <a:p>
-            <a:pPr algn="l" eaLnBrk="1" hangingPunct="1">
-              <a:lnSpc>
-                <a:spcPct val="110000"/>
-              </a:lnSpc>
-            </a:pPr>
-            <a:endParaRPr lang="en-US" altLang="en-US" sz="6000" i="1" dirty="0">
-              <a:solidFill>
-                <a:schemeClr val="tx1"/>
-              </a:solidFill>
-              <a:latin typeface="Helvetica" panose="020B0604020202020204" pitchFamily="34" charset="0"/>
-              <a:cs typeface="Helvetica" panose="020B0604020202020204" pitchFamily="34" charset="0"/>
-              <a:sym typeface="Helvetica" panose="020B0604020202020204" pitchFamily="34" charset="0"/>
-            </a:endParaRPr>
-          </a:p>
-          <a:p>
-            <a:pPr algn="l" eaLnBrk="1" hangingPunct="1">
-              <a:lnSpc>
-                <a:spcPct val="110000"/>
-              </a:lnSpc>
-            </a:pPr>
-            <a:endParaRPr lang="en-US" altLang="en-US" sz="6000" i="1" dirty="0" smtClean="0">
-              <a:solidFill>
-                <a:schemeClr val="tx1"/>
-              </a:solidFill>
-              <a:latin typeface="Helvetica" panose="020B0604020202020204" pitchFamily="34" charset="0"/>
-              <a:cs typeface="Helvetica" panose="020B0604020202020204" pitchFamily="34" charset="0"/>
-              <a:sym typeface="Helvetica" panose="020B0604020202020204" pitchFamily="34" charset="0"/>
-            </a:endParaRPr>
-          </a:p>
-          <a:p>
-            <a:pPr algn="l" eaLnBrk="1" hangingPunct="1">
-              <a:lnSpc>
-                <a:spcPct val="110000"/>
-              </a:lnSpc>
-            </a:pPr>
-            <a:endParaRPr lang="en-US" altLang="en-US" sz="6000" i="1" dirty="0">
-              <a:solidFill>
-                <a:schemeClr val="tx1"/>
-              </a:solidFill>
-              <a:latin typeface="Helvetica" panose="020B0604020202020204" pitchFamily="34" charset="0"/>
-              <a:cs typeface="Helvetica" panose="020B0604020202020204" pitchFamily="34" charset="0"/>
-              <a:sym typeface="Helvetica" panose="020B0604020202020204" pitchFamily="34" charset="0"/>
-            </a:endParaRPr>
-          </a:p>
-          <a:p>
-            <a:pPr algn="l" eaLnBrk="1" hangingPunct="1">
-              <a:lnSpc>
-                <a:spcPct val="110000"/>
-              </a:lnSpc>
-            </a:pPr>
-            <a:endParaRPr lang="en-US" altLang="en-US" sz="6000" i="1" dirty="0" smtClean="0">
-              <a:solidFill>
-                <a:schemeClr val="tx1"/>
-              </a:solidFill>
-              <a:latin typeface="Helvetica" panose="020B0604020202020204" pitchFamily="34" charset="0"/>
-              <a:cs typeface="Helvetica" panose="020B0604020202020204" pitchFamily="34" charset="0"/>
-              <a:sym typeface="Helvetica" panose="020B0604020202020204" pitchFamily="34" charset="0"/>
-            </a:endParaRPr>
-          </a:p>
-          <a:p>
-            <a:pPr algn="l" eaLnBrk="1" hangingPunct="1">
-              <a:lnSpc>
-                <a:spcPct val="110000"/>
-              </a:lnSpc>
-            </a:pPr>
-            <a:endParaRPr lang="en-US" altLang="en-US" sz="6000" i="1" dirty="0">
-              <a:solidFill>
-                <a:schemeClr val="tx1"/>
-              </a:solidFill>
-              <a:latin typeface="Helvetica" panose="020B0604020202020204" pitchFamily="34" charset="0"/>
-              <a:cs typeface="Helvetica" panose="020B0604020202020204" pitchFamily="34" charset="0"/>
-              <a:sym typeface="Helvetica" panose="020B0604020202020204" pitchFamily="34" charset="0"/>
-            </a:endParaRPr>
-          </a:p>
-          <a:p>
-            <a:pPr algn="l" eaLnBrk="1" hangingPunct="1">
-              <a:lnSpc>
-                <a:spcPct val="110000"/>
-              </a:lnSpc>
-            </a:pPr>
-            <a:endParaRPr lang="en-US" altLang="en-US" sz="6000" i="1" dirty="0" smtClean="0">
-              <a:solidFill>
-                <a:schemeClr val="tx1"/>
-              </a:solidFill>
-              <a:latin typeface="Helvetica" panose="020B0604020202020204" pitchFamily="34" charset="0"/>
-              <a:cs typeface="Helvetica" panose="020B0604020202020204" pitchFamily="34" charset="0"/>
-              <a:sym typeface="Helvetica" panose="020B0604020202020204" pitchFamily="34" charset="0"/>
-            </a:endParaRPr>
-          </a:p>
-          <a:p>
-            <a:pPr algn="l" eaLnBrk="1" hangingPunct="1">
-              <a:lnSpc>
-                <a:spcPct val="110000"/>
-              </a:lnSpc>
-            </a:pPr>
-            <a:endParaRPr lang="en-US" altLang="en-US" sz="6000" i="1" dirty="0" smtClean="0">
-              <a:solidFill>
-                <a:schemeClr val="tx1"/>
-              </a:solidFill>
-              <a:latin typeface="Helvetica" panose="020B0604020202020204" pitchFamily="34" charset="0"/>
-              <a:cs typeface="Helvetica" panose="020B0604020202020204" pitchFamily="34" charset="0"/>
-              <a:sym typeface="Helvetica" panose="020B0604020202020204" pitchFamily="34" charset="0"/>
-            </a:endParaRPr>
-          </a:p>
-        </p:txBody>
-      </p:sp>
-      <p:sp>
-        <p:nvSpPr>
-          <p:cNvPr id="32" name="Rectangle 5"/>
+        </p:txBody>
+      </p:sp>
+      <p:sp>
+        <p:nvSpPr>
+          <p:cNvPr id="35" name="Rectangle 5"/>
           <p:cNvSpPr>
             <a:spLocks/>
           </p:cNvSpPr>
@@ -4546,8 +4303,8 @@
         </p:nvSpPr>
         <p:spPr bwMode="auto">
           <a:xfrm>
-            <a:off x="23049379" y="7498514"/>
-            <a:ext cx="5849526" cy="6570752"/>
+            <a:off x="416700" y="5707968"/>
+            <a:ext cx="13576356" cy="8534147"/>
           </a:xfrm>
           <a:prstGeom prst="rect">
             <a:avLst/>
@@ -4684,220 +4441,36 @@
             </a:lvl9pPr>
           </a:lstStyle>
           <a:p>
-            <a:pPr algn="l" eaLnBrk="1" hangingPunct="1">
-              <a:lnSpc>
-                <a:spcPct val="110000"/>
-              </a:lnSpc>
-            </a:pPr>
-            <a:r>
-              <a:rPr lang="en-US" altLang="en-US" sz="4400" dirty="0" smtClean="0">
-                <a:solidFill>
-                  <a:schemeClr val="tx1"/>
-                </a:solidFill>
-                <a:latin typeface="Helvetica" panose="020B0604020202020204" pitchFamily="34" charset="0"/>
-                <a:cs typeface="Helvetica" panose="020B0604020202020204" pitchFamily="34" charset="0"/>
-                <a:sym typeface="Helvetica" panose="020B0604020202020204" pitchFamily="34" charset="0"/>
-              </a:rPr>
-              <a:t>Mean-shift clustering finds local modes or peaks in a nonparametric density estimate. The method assigns each data point with the closest peak, and determines the number of clusters.</a:t>
-            </a:r>
-            <a:endParaRPr lang="en-US" altLang="en-US" sz="4400" dirty="0">
-              <a:solidFill>
-                <a:schemeClr val="tx1"/>
-              </a:solidFill>
-              <a:latin typeface="Helvetica" panose="020B0604020202020204" pitchFamily="34" charset="0"/>
-              <a:cs typeface="Helvetica" panose="020B0604020202020204" pitchFamily="34" charset="0"/>
-              <a:sym typeface="Helvetica" panose="020B0604020202020204" pitchFamily="34" charset="0"/>
-            </a:endParaRPr>
-          </a:p>
-        </p:txBody>
-      </p:sp>
-      <p:sp>
-        <p:nvSpPr>
-          <p:cNvPr id="35" name="Rectangle 5"/>
-          <p:cNvSpPr>
-            <a:spLocks/>
-          </p:cNvSpPr>
-          <p:nvPr/>
-        </p:nvSpPr>
-        <p:spPr bwMode="auto">
-          <a:xfrm>
-            <a:off x="430467" y="5841407"/>
-            <a:ext cx="13576356" cy="8227859"/>
-          </a:xfrm>
-          <a:prstGeom prst="rect">
-            <a:avLst/>
-          </a:prstGeom>
-          <a:solidFill>
-            <a:schemeClr val="accent3">
-              <a:lumMod val="40000"/>
-              <a:lumOff val="60000"/>
-            </a:schemeClr>
-          </a:solidFill>
-          <a:ln>
-            <a:solidFill>
-              <a:schemeClr val="tx1"/>
-            </a:solidFill>
-          </a:ln>
-          <a:extLst/>
-        </p:spPr>
-        <p:txBody>
-          <a:bodyPr lIns="0" tIns="0" rIns="0" bIns="0"/>
-          <a:lstStyle>
-            <a:lvl1pPr algn="ctr" defTabSz="784225">
-              <a:defRPr sz="13700">
-                <a:solidFill>
-                  <a:srgbClr val="000000"/>
-                </a:solidFill>
-                <a:latin typeface="Gill Sans" pitchFamily="-111" charset="0"/>
-                <a:ea typeface="ヒラギノ角ゴ Pro W3" pitchFamily="-111" charset="-128"/>
-                <a:sym typeface="Gill Sans" pitchFamily="-111" charset="0"/>
-              </a:defRPr>
-            </a:lvl1pPr>
-            <a:lvl2pPr marL="37931725" indent="-37474525" algn="ctr" defTabSz="784225">
-              <a:defRPr sz="13700">
-                <a:solidFill>
-                  <a:srgbClr val="000000"/>
-                </a:solidFill>
-                <a:latin typeface="Gill Sans" pitchFamily="-111" charset="0"/>
-                <a:ea typeface="ヒラギノ角ゴ Pro W3" pitchFamily="-111" charset="-128"/>
-                <a:sym typeface="Gill Sans" pitchFamily="-111" charset="0"/>
-              </a:defRPr>
-            </a:lvl2pPr>
-            <a:lvl3pPr algn="ctr" defTabSz="784225">
-              <a:defRPr sz="13700">
-                <a:solidFill>
-                  <a:srgbClr val="000000"/>
-                </a:solidFill>
-                <a:latin typeface="Gill Sans" pitchFamily="-111" charset="0"/>
-                <a:ea typeface="ヒラギノ角ゴ Pro W3" pitchFamily="-111" charset="-128"/>
-                <a:sym typeface="Gill Sans" pitchFamily="-111" charset="0"/>
-              </a:defRPr>
-            </a:lvl3pPr>
-            <a:lvl4pPr algn="ctr" defTabSz="784225">
-              <a:defRPr sz="13700">
-                <a:solidFill>
-                  <a:srgbClr val="000000"/>
-                </a:solidFill>
-                <a:latin typeface="Gill Sans" pitchFamily="-111" charset="0"/>
-                <a:ea typeface="ヒラギノ角ゴ Pro W3" pitchFamily="-111" charset="-128"/>
-                <a:sym typeface="Gill Sans" pitchFamily="-111" charset="0"/>
-              </a:defRPr>
-            </a:lvl4pPr>
-            <a:lvl5pPr algn="ctr" defTabSz="784225">
-              <a:defRPr sz="13700">
-                <a:solidFill>
-                  <a:srgbClr val="000000"/>
-                </a:solidFill>
-                <a:latin typeface="Gill Sans" pitchFamily="-111" charset="0"/>
-                <a:ea typeface="ヒラギノ角ゴ Pro W3" pitchFamily="-111" charset="-128"/>
-                <a:sym typeface="Gill Sans" pitchFamily="-111" charset="0"/>
-              </a:defRPr>
-            </a:lvl5pPr>
-            <a:lvl6pPr marL="4090988" indent="-1804988" algn="ctr" defTabSz="784225" eaLnBrk="0" fontAlgn="base" hangingPunct="0">
-              <a:spcBef>
-                <a:spcPct val="0"/>
-              </a:spcBef>
-              <a:spcAft>
-                <a:spcPct val="0"/>
-              </a:spcAft>
-              <a:defRPr sz="13700">
-                <a:solidFill>
-                  <a:srgbClr val="000000"/>
-                </a:solidFill>
-                <a:latin typeface="Gill Sans" pitchFamily="-111" charset="0"/>
-                <a:ea typeface="ヒラギノ角ゴ Pro W3" pitchFamily="-111" charset="-128"/>
-                <a:sym typeface="Gill Sans" pitchFamily="-111" charset="0"/>
-              </a:defRPr>
-            </a:lvl6pPr>
-            <a:lvl7pPr marL="4548188" indent="-1804988" algn="ctr" defTabSz="784225" eaLnBrk="0" fontAlgn="base" hangingPunct="0">
-              <a:spcBef>
-                <a:spcPct val="0"/>
-              </a:spcBef>
-              <a:spcAft>
-                <a:spcPct val="0"/>
-              </a:spcAft>
-              <a:defRPr sz="13700">
-                <a:solidFill>
-                  <a:srgbClr val="000000"/>
-                </a:solidFill>
-                <a:latin typeface="Gill Sans" pitchFamily="-111" charset="0"/>
-                <a:ea typeface="ヒラギノ角ゴ Pro W3" pitchFamily="-111" charset="-128"/>
-                <a:sym typeface="Gill Sans" pitchFamily="-111" charset="0"/>
-              </a:defRPr>
-            </a:lvl7pPr>
-            <a:lvl8pPr marL="5005388" indent="-1804988" algn="ctr" defTabSz="784225" eaLnBrk="0" fontAlgn="base" hangingPunct="0">
-              <a:spcBef>
-                <a:spcPct val="0"/>
-              </a:spcBef>
-              <a:spcAft>
-                <a:spcPct val="0"/>
-              </a:spcAft>
-              <a:defRPr sz="13700">
-                <a:solidFill>
-                  <a:srgbClr val="000000"/>
-                </a:solidFill>
-                <a:latin typeface="Gill Sans" pitchFamily="-111" charset="0"/>
-                <a:ea typeface="ヒラギノ角ゴ Pro W3" pitchFamily="-111" charset="-128"/>
-                <a:sym typeface="Gill Sans" pitchFamily="-111" charset="0"/>
-              </a:defRPr>
-            </a:lvl8pPr>
-            <a:lvl9pPr marL="5462588" indent="-1804988" algn="ctr" defTabSz="784225" eaLnBrk="0" fontAlgn="base" hangingPunct="0">
-              <a:spcBef>
-                <a:spcPct val="0"/>
-              </a:spcBef>
-              <a:spcAft>
-                <a:spcPct val="0"/>
-              </a:spcAft>
-              <a:defRPr sz="13700">
-                <a:solidFill>
-                  <a:srgbClr val="000000"/>
-                </a:solidFill>
-                <a:latin typeface="Gill Sans" pitchFamily="-111" charset="0"/>
-                <a:ea typeface="ヒラギノ角ゴ Pro W3" pitchFamily="-111" charset="-128"/>
-                <a:sym typeface="Gill Sans" pitchFamily="-111" charset="0"/>
-              </a:defRPr>
-            </a:lvl9pPr>
-          </a:lstStyle>
-          <a:p>
-            <a:pPr algn="l" eaLnBrk="1" hangingPunct="1">
-              <a:lnSpc>
-                <a:spcPct val="110000"/>
-              </a:lnSpc>
-            </a:pPr>
-            <a:r>
-              <a:rPr lang="en-US" altLang="en-US" sz="6000" dirty="0" smtClean="0">
-                <a:solidFill>
-                  <a:schemeClr val="tx1"/>
-                </a:solidFill>
-                <a:latin typeface="+mn-lt"/>
-                <a:cs typeface="Helvetica" panose="020B0604020202020204" pitchFamily="34" charset="0"/>
-                <a:sym typeface="Helvetica" panose="020B0604020202020204" pitchFamily="34" charset="0"/>
-              </a:rPr>
-              <a:t>The goal of this research is to  determine which combinations of wavelengths identify certain celestial objects most accurately. Mean-shift and K-means clustering methods were used to identify and catalogue objects, and determine how many clusters of similar objects existed at a variety of wavelengths. </a:t>
-            </a:r>
-            <a:endParaRPr lang="en-US" altLang="en-US" sz="6000" dirty="0" smtClean="0">
-              <a:solidFill>
-                <a:schemeClr val="tx1"/>
-              </a:solidFill>
-              <a:latin typeface="+mn-lt"/>
-              <a:cs typeface="Helvetica" panose="020B0604020202020204" pitchFamily="34" charset="0"/>
-              <a:sym typeface="Helvetica" panose="020B0604020202020204" pitchFamily="34" charset="0"/>
-            </a:endParaRPr>
-          </a:p>
-          <a:p>
-            <a:pPr algn="l" eaLnBrk="1" hangingPunct="1">
-              <a:lnSpc>
-                <a:spcPct val="110000"/>
-              </a:lnSpc>
-            </a:pPr>
-            <a:endParaRPr lang="en-US" altLang="en-US" sz="2400" b="1" dirty="0">
-              <a:solidFill>
-                <a:schemeClr val="tx1"/>
-              </a:solidFill>
-              <a:latin typeface="Helvetica" panose="020B0604020202020204" pitchFamily="34" charset="0"/>
-              <a:cs typeface="Helvetica" panose="020B0604020202020204" pitchFamily="34" charset="0"/>
-              <a:sym typeface="Helvetica" panose="020B0604020202020204" pitchFamily="34" charset="0"/>
-            </a:endParaRPr>
+            <a:pPr algn="just"/>
+            <a:r>
+              <a:rPr lang="en-CA" sz="3100" dirty="0" smtClean="0"/>
+              <a:t>Space-based astronomical observatories generate vast quantities of data, and efficient means of analyzing those data are needed. The purpose of this research is to use machine-learning methods to classify point sources of light emission in nearby galaxies. An object’s light emission over different wavelengths is the key data for classification as it indicates the composition of the object, along with its other physical attributes. Mean-shift and k-means clustering methods were applied to observations of point sources in the M83 galaxy, to identify objects that emit similar combinations of light over multiple wavelengths. The data was collected by the Wide Field Camera 3 on the Hubble Space Telescope. The strength of the clustering was tested using a silhouette </a:t>
+            </a:r>
+            <a:r>
+              <a:rPr lang="en-CA" sz="3100" dirty="0"/>
+              <a:t>score </a:t>
+            </a:r>
+            <a:r>
+              <a:rPr lang="en-CA" sz="3100" dirty="0" smtClean="0"/>
+              <a:t>to </a:t>
+            </a:r>
+            <a:r>
+              <a:rPr lang="en-CA" sz="3100" dirty="0"/>
+              <a:t>identify which </a:t>
+            </a:r>
+            <a:r>
+              <a:rPr lang="en-CA" sz="3100" dirty="0" smtClean="0"/>
+              <a:t>bands best separated different </a:t>
+            </a:r>
+            <a:r>
+              <a:rPr lang="en-CA" sz="3100" dirty="0"/>
+              <a:t>classes of </a:t>
+            </a:r>
+            <a:r>
+              <a:rPr lang="en-CA" sz="3100" dirty="0" smtClean="0"/>
+              <a:t>objects. This metric measures an object’s distance from a cluster outside the one it was originally assigned to. The clustering results were also compared with the results of independent classification, to determine if each object was correctly identified. The results of this work will allow astronomers to plan observations that can be used to automatically classify objects in nearby galaxies, leading to a stronger understanding of how stars and star clusters form, and evolve. </a:t>
+            </a:r>
+            <a:endParaRPr lang="en-CA" sz="3100" dirty="0"/>
           </a:p>
         </p:txBody>
       </p:sp>
@@ -5043,325 +4616,830 @@
           </a:p>
         </p:txBody>
       </p:sp>
-      <p:sp>
-        <p:nvSpPr>
-          <p:cNvPr id="26" name="Rectangle 5"/>
-          <p:cNvSpPr>
-            <a:spLocks/>
-          </p:cNvSpPr>
+      <p:grpSp>
+        <p:nvGrpSpPr>
+          <p:cNvPr id="5" name="Group 4"/>
+          <p:cNvGrpSpPr/>
           <p:nvPr/>
-        </p:nvSpPr>
-        <p:spPr bwMode="auto">
+        </p:nvGrpSpPr>
+        <p:grpSpPr>
           <a:xfrm>
-            <a:off x="37649055" y="7498513"/>
-            <a:ext cx="5849526" cy="6570751"/>
+            <a:off x="28036087" y="5766661"/>
+            <a:ext cx="15462493" cy="8475454"/>
+            <a:chOff x="14393058" y="5766661"/>
+            <a:chExt cx="15462493" cy="8475454"/>
           </a:xfrm>
-          <a:prstGeom prst="rect">
-            <a:avLst/>
-          </a:prstGeom>
-          <a:solidFill>
-            <a:schemeClr val="accent3">
-              <a:lumMod val="40000"/>
-              <a:lumOff val="60000"/>
-            </a:schemeClr>
-          </a:solidFill>
-          <a:ln>
-            <a:solidFill>
-              <a:schemeClr val="tx1"/>
-            </a:solidFill>
-          </a:ln>
-          <a:extLst/>
-        </p:spPr>
-        <p:txBody>
-          <a:bodyPr lIns="0" tIns="0" rIns="0" bIns="0"/>
-          <a:lstStyle>
-            <a:lvl1pPr algn="ctr" defTabSz="784225">
-              <a:defRPr sz="13700">
-                <a:solidFill>
-                  <a:srgbClr val="000000"/>
-                </a:solidFill>
-                <a:latin typeface="Gill Sans" pitchFamily="-111" charset="0"/>
-                <a:ea typeface="ヒラギノ角ゴ Pro W3" pitchFamily="-111" charset="-128"/>
-                <a:sym typeface="Gill Sans" pitchFamily="-111" charset="0"/>
-              </a:defRPr>
-            </a:lvl1pPr>
-            <a:lvl2pPr marL="37931725" indent="-37474525" algn="ctr" defTabSz="784225">
-              <a:defRPr sz="13700">
-                <a:solidFill>
-                  <a:srgbClr val="000000"/>
-                </a:solidFill>
-                <a:latin typeface="Gill Sans" pitchFamily="-111" charset="0"/>
-                <a:ea typeface="ヒラギノ角ゴ Pro W3" pitchFamily="-111" charset="-128"/>
-                <a:sym typeface="Gill Sans" pitchFamily="-111" charset="0"/>
-              </a:defRPr>
-            </a:lvl2pPr>
-            <a:lvl3pPr algn="ctr" defTabSz="784225">
-              <a:defRPr sz="13700">
-                <a:solidFill>
-                  <a:srgbClr val="000000"/>
-                </a:solidFill>
-                <a:latin typeface="Gill Sans" pitchFamily="-111" charset="0"/>
-                <a:ea typeface="ヒラギノ角ゴ Pro W3" pitchFamily="-111" charset="-128"/>
-                <a:sym typeface="Gill Sans" pitchFamily="-111" charset="0"/>
-              </a:defRPr>
-            </a:lvl3pPr>
-            <a:lvl4pPr algn="ctr" defTabSz="784225">
-              <a:defRPr sz="13700">
-                <a:solidFill>
-                  <a:srgbClr val="000000"/>
-                </a:solidFill>
-                <a:latin typeface="Gill Sans" pitchFamily="-111" charset="0"/>
-                <a:ea typeface="ヒラギノ角ゴ Pro W3" pitchFamily="-111" charset="-128"/>
-                <a:sym typeface="Gill Sans" pitchFamily="-111" charset="0"/>
-              </a:defRPr>
-            </a:lvl4pPr>
-            <a:lvl5pPr algn="ctr" defTabSz="784225">
-              <a:defRPr sz="13700">
-                <a:solidFill>
-                  <a:srgbClr val="000000"/>
-                </a:solidFill>
-                <a:latin typeface="Gill Sans" pitchFamily="-111" charset="0"/>
-                <a:ea typeface="ヒラギノ角ゴ Pro W3" pitchFamily="-111" charset="-128"/>
-                <a:sym typeface="Gill Sans" pitchFamily="-111" charset="0"/>
-              </a:defRPr>
-            </a:lvl5pPr>
-            <a:lvl6pPr marL="4090988" indent="-1804988" algn="ctr" defTabSz="784225" eaLnBrk="0" fontAlgn="base" hangingPunct="0">
-              <a:spcBef>
-                <a:spcPct val="0"/>
-              </a:spcBef>
-              <a:spcAft>
-                <a:spcPct val="0"/>
-              </a:spcAft>
-              <a:defRPr sz="13700">
-                <a:solidFill>
-                  <a:srgbClr val="000000"/>
-                </a:solidFill>
-                <a:latin typeface="Gill Sans" pitchFamily="-111" charset="0"/>
-                <a:ea typeface="ヒラギノ角ゴ Pro W3" pitchFamily="-111" charset="-128"/>
-                <a:sym typeface="Gill Sans" pitchFamily="-111" charset="0"/>
-              </a:defRPr>
-            </a:lvl6pPr>
-            <a:lvl7pPr marL="4548188" indent="-1804988" algn="ctr" defTabSz="784225" eaLnBrk="0" fontAlgn="base" hangingPunct="0">
-              <a:spcBef>
-                <a:spcPct val="0"/>
-              </a:spcBef>
-              <a:spcAft>
-                <a:spcPct val="0"/>
-              </a:spcAft>
-              <a:defRPr sz="13700">
-                <a:solidFill>
-                  <a:srgbClr val="000000"/>
-                </a:solidFill>
-                <a:latin typeface="Gill Sans" pitchFamily="-111" charset="0"/>
-                <a:ea typeface="ヒラギノ角ゴ Pro W3" pitchFamily="-111" charset="-128"/>
-                <a:sym typeface="Gill Sans" pitchFamily="-111" charset="0"/>
-              </a:defRPr>
-            </a:lvl7pPr>
-            <a:lvl8pPr marL="5005388" indent="-1804988" algn="ctr" defTabSz="784225" eaLnBrk="0" fontAlgn="base" hangingPunct="0">
-              <a:spcBef>
-                <a:spcPct val="0"/>
-              </a:spcBef>
-              <a:spcAft>
-                <a:spcPct val="0"/>
-              </a:spcAft>
-              <a:defRPr sz="13700">
-                <a:solidFill>
-                  <a:srgbClr val="000000"/>
-                </a:solidFill>
-                <a:latin typeface="Gill Sans" pitchFamily="-111" charset="0"/>
-                <a:ea typeface="ヒラギノ角ゴ Pro W3" pitchFamily="-111" charset="-128"/>
-                <a:sym typeface="Gill Sans" pitchFamily="-111" charset="0"/>
-              </a:defRPr>
-            </a:lvl8pPr>
-            <a:lvl9pPr marL="5462588" indent="-1804988" algn="ctr" defTabSz="784225" eaLnBrk="0" fontAlgn="base" hangingPunct="0">
-              <a:spcBef>
-                <a:spcPct val="0"/>
-              </a:spcBef>
-              <a:spcAft>
-                <a:spcPct val="0"/>
-              </a:spcAft>
-              <a:defRPr sz="13700">
-                <a:solidFill>
-                  <a:srgbClr val="000000"/>
-                </a:solidFill>
-                <a:latin typeface="Gill Sans" pitchFamily="-111" charset="0"/>
-                <a:ea typeface="ヒラギノ角ゴ Pro W3" pitchFamily="-111" charset="-128"/>
-                <a:sym typeface="Gill Sans" pitchFamily="-111" charset="0"/>
-              </a:defRPr>
-            </a:lvl9pPr>
-          </a:lstStyle>
-          <a:p>
-            <a:pPr algn="l" eaLnBrk="1" hangingPunct="1">
-              <a:lnSpc>
-                <a:spcPct val="110000"/>
-              </a:lnSpc>
-            </a:pPr>
-            <a:r>
-              <a:rPr lang="en-US" altLang="en-US" sz="4400" dirty="0" smtClean="0">
+        </p:grpSpPr>
+        <p:grpSp>
+          <p:nvGrpSpPr>
+            <p:cNvPr id="12" name="Group 11"/>
+            <p:cNvGrpSpPr/>
+            <p:nvPr/>
+          </p:nvGrpSpPr>
+          <p:grpSpPr>
+            <a:xfrm>
+              <a:off x="22284642" y="5766661"/>
+              <a:ext cx="7570909" cy="8475454"/>
+              <a:chOff x="37583308" y="5838271"/>
+              <a:chExt cx="5915273" cy="8230993"/>
+            </a:xfrm>
+          </p:grpSpPr>
+          <p:sp>
+            <p:nvSpPr>
+              <p:cNvPr id="26" name="Rectangle 5"/>
+              <p:cNvSpPr>
+                <a:spLocks/>
+              </p:cNvSpPr>
+              <p:nvPr/>
+            </p:nvSpPr>
+            <p:spPr bwMode="auto">
+              <a:xfrm>
+                <a:off x="37583308" y="7498513"/>
+                <a:ext cx="5915273" cy="6570751"/>
+              </a:xfrm>
+              <a:prstGeom prst="rect">
+                <a:avLst/>
+              </a:prstGeom>
+              <a:solidFill>
+                <a:schemeClr val="accent3">
+                  <a:lumMod val="40000"/>
+                  <a:lumOff val="60000"/>
+                </a:schemeClr>
+              </a:solidFill>
+              <a:ln>
                 <a:solidFill>
                   <a:schemeClr val="tx1"/>
                 </a:solidFill>
-                <a:latin typeface="Helvetica" panose="020B0604020202020204" pitchFamily="34" charset="0"/>
-                <a:cs typeface="Helvetica" panose="020B0604020202020204" pitchFamily="34" charset="0"/>
-                <a:sym typeface="Helvetica" panose="020B0604020202020204" pitchFamily="34" charset="0"/>
-              </a:rPr>
-              <a:t>K-Means clustering minimizes the sum of squares objective</a:t>
-            </a:r>
-            <a:r>
-              <a:rPr lang="en-US" altLang="en-US" sz="4400" dirty="0" smtClean="0">
+              </a:ln>
+              <a:extLst/>
+            </p:spPr>
+            <p:txBody>
+              <a:bodyPr lIns="0" tIns="0" rIns="0" bIns="0"/>
+              <a:lstStyle>
+                <a:lvl1pPr algn="ctr" defTabSz="784225">
+                  <a:defRPr sz="13700">
+                    <a:solidFill>
+                      <a:srgbClr val="000000"/>
+                    </a:solidFill>
+                    <a:latin typeface="Gill Sans" pitchFamily="-111" charset="0"/>
+                    <a:ea typeface="ヒラギノ角ゴ Pro W3" pitchFamily="-111" charset="-128"/>
+                    <a:sym typeface="Gill Sans" pitchFamily="-111" charset="0"/>
+                  </a:defRPr>
+                </a:lvl1pPr>
+                <a:lvl2pPr marL="37931725" indent="-37474525" algn="ctr" defTabSz="784225">
+                  <a:defRPr sz="13700">
+                    <a:solidFill>
+                      <a:srgbClr val="000000"/>
+                    </a:solidFill>
+                    <a:latin typeface="Gill Sans" pitchFamily="-111" charset="0"/>
+                    <a:ea typeface="ヒラギノ角ゴ Pro W3" pitchFamily="-111" charset="-128"/>
+                    <a:sym typeface="Gill Sans" pitchFamily="-111" charset="0"/>
+                  </a:defRPr>
+                </a:lvl2pPr>
+                <a:lvl3pPr algn="ctr" defTabSz="784225">
+                  <a:defRPr sz="13700">
+                    <a:solidFill>
+                      <a:srgbClr val="000000"/>
+                    </a:solidFill>
+                    <a:latin typeface="Gill Sans" pitchFamily="-111" charset="0"/>
+                    <a:ea typeface="ヒラギノ角ゴ Pro W3" pitchFamily="-111" charset="-128"/>
+                    <a:sym typeface="Gill Sans" pitchFamily="-111" charset="0"/>
+                  </a:defRPr>
+                </a:lvl3pPr>
+                <a:lvl4pPr algn="ctr" defTabSz="784225">
+                  <a:defRPr sz="13700">
+                    <a:solidFill>
+                      <a:srgbClr val="000000"/>
+                    </a:solidFill>
+                    <a:latin typeface="Gill Sans" pitchFamily="-111" charset="0"/>
+                    <a:ea typeface="ヒラギノ角ゴ Pro W3" pitchFamily="-111" charset="-128"/>
+                    <a:sym typeface="Gill Sans" pitchFamily="-111" charset="0"/>
+                  </a:defRPr>
+                </a:lvl4pPr>
+                <a:lvl5pPr algn="ctr" defTabSz="784225">
+                  <a:defRPr sz="13700">
+                    <a:solidFill>
+                      <a:srgbClr val="000000"/>
+                    </a:solidFill>
+                    <a:latin typeface="Gill Sans" pitchFamily="-111" charset="0"/>
+                    <a:ea typeface="ヒラギノ角ゴ Pro W3" pitchFamily="-111" charset="-128"/>
+                    <a:sym typeface="Gill Sans" pitchFamily="-111" charset="0"/>
+                  </a:defRPr>
+                </a:lvl5pPr>
+                <a:lvl6pPr marL="4090988" indent="-1804988" algn="ctr" defTabSz="784225" eaLnBrk="0" fontAlgn="base" hangingPunct="0">
+                  <a:spcBef>
+                    <a:spcPct val="0"/>
+                  </a:spcBef>
+                  <a:spcAft>
+                    <a:spcPct val="0"/>
+                  </a:spcAft>
+                  <a:defRPr sz="13700">
+                    <a:solidFill>
+                      <a:srgbClr val="000000"/>
+                    </a:solidFill>
+                    <a:latin typeface="Gill Sans" pitchFamily="-111" charset="0"/>
+                    <a:ea typeface="ヒラギノ角ゴ Pro W3" pitchFamily="-111" charset="-128"/>
+                    <a:sym typeface="Gill Sans" pitchFamily="-111" charset="0"/>
+                  </a:defRPr>
+                </a:lvl6pPr>
+                <a:lvl7pPr marL="4548188" indent="-1804988" algn="ctr" defTabSz="784225" eaLnBrk="0" fontAlgn="base" hangingPunct="0">
+                  <a:spcBef>
+                    <a:spcPct val="0"/>
+                  </a:spcBef>
+                  <a:spcAft>
+                    <a:spcPct val="0"/>
+                  </a:spcAft>
+                  <a:defRPr sz="13700">
+                    <a:solidFill>
+                      <a:srgbClr val="000000"/>
+                    </a:solidFill>
+                    <a:latin typeface="Gill Sans" pitchFamily="-111" charset="0"/>
+                    <a:ea typeface="ヒラギノ角ゴ Pro W3" pitchFamily="-111" charset="-128"/>
+                    <a:sym typeface="Gill Sans" pitchFamily="-111" charset="0"/>
+                  </a:defRPr>
+                </a:lvl7pPr>
+                <a:lvl8pPr marL="5005388" indent="-1804988" algn="ctr" defTabSz="784225" eaLnBrk="0" fontAlgn="base" hangingPunct="0">
+                  <a:spcBef>
+                    <a:spcPct val="0"/>
+                  </a:spcBef>
+                  <a:spcAft>
+                    <a:spcPct val="0"/>
+                  </a:spcAft>
+                  <a:defRPr sz="13700">
+                    <a:solidFill>
+                      <a:srgbClr val="000000"/>
+                    </a:solidFill>
+                    <a:latin typeface="Gill Sans" pitchFamily="-111" charset="0"/>
+                    <a:ea typeface="ヒラギノ角ゴ Pro W3" pitchFamily="-111" charset="-128"/>
+                    <a:sym typeface="Gill Sans" pitchFamily="-111" charset="0"/>
+                  </a:defRPr>
+                </a:lvl8pPr>
+                <a:lvl9pPr marL="5462588" indent="-1804988" algn="ctr" defTabSz="784225" eaLnBrk="0" fontAlgn="base" hangingPunct="0">
+                  <a:spcBef>
+                    <a:spcPct val="0"/>
+                  </a:spcBef>
+                  <a:spcAft>
+                    <a:spcPct val="0"/>
+                  </a:spcAft>
+                  <a:defRPr sz="13700">
+                    <a:solidFill>
+                      <a:srgbClr val="000000"/>
+                    </a:solidFill>
+                    <a:latin typeface="Gill Sans" pitchFamily="-111" charset="0"/>
+                    <a:ea typeface="ヒラギノ角ゴ Pro W3" pitchFamily="-111" charset="-128"/>
+                    <a:sym typeface="Gill Sans" pitchFamily="-111" charset="0"/>
+                  </a:defRPr>
+                </a:lvl9pPr>
+              </a:lstStyle>
+              <a:p>
+                <a:pPr algn="just" eaLnBrk="1" hangingPunct="1">
+                  <a:lnSpc>
+                    <a:spcPct val="110000"/>
+                  </a:lnSpc>
+                </a:pPr>
+                <a:r>
+                  <a:rPr lang="en-US" altLang="en-US" sz="3800" dirty="0" smtClean="0">
+                    <a:solidFill>
+                      <a:schemeClr val="tx1"/>
+                    </a:solidFill>
+                    <a:latin typeface="Helvetica" panose="020B0604020202020204" pitchFamily="34" charset="0"/>
+                    <a:cs typeface="Helvetica" panose="020B0604020202020204" pitchFamily="34" charset="0"/>
+                    <a:sym typeface="Helvetica" panose="020B0604020202020204" pitchFamily="34" charset="0"/>
+                  </a:rPr>
+                  <a:t>K-Means clustering minimizes the sum of squares objective function. The method picks a centroid of each,</a:t>
+                </a:r>
+                <a:r>
+                  <a:rPr lang="en-US" altLang="en-US" sz="3800" i="1" dirty="0" smtClean="0">
+                    <a:solidFill>
+                      <a:schemeClr val="tx1"/>
+                    </a:solidFill>
+                    <a:latin typeface="Helvetica" panose="020B0604020202020204" pitchFamily="34" charset="0"/>
+                    <a:cs typeface="Helvetica" panose="020B0604020202020204" pitchFamily="34" charset="0"/>
+                    <a:sym typeface="Helvetica" panose="020B0604020202020204" pitchFamily="34" charset="0"/>
+                  </a:rPr>
+                  <a:t> k</a:t>
+                </a:r>
+                <a:r>
+                  <a:rPr lang="en-US" altLang="en-US" sz="3800" dirty="0" smtClean="0">
+                    <a:solidFill>
+                      <a:schemeClr val="tx1"/>
+                    </a:solidFill>
+                    <a:latin typeface="Helvetica" panose="020B0604020202020204" pitchFamily="34" charset="0"/>
+                    <a:cs typeface="Helvetica" panose="020B0604020202020204" pitchFamily="34" charset="0"/>
+                    <a:sym typeface="Helvetica" panose="020B0604020202020204" pitchFamily="34" charset="0"/>
+                  </a:rPr>
+                  <a:t>, cluster, and assigns the closest points in the data set to each centroid. The mean-shift output was used as the number of clusters for the k-means algorithm, and the algorithm assigned the objects to each cluster. </a:t>
+                </a:r>
+                <a:endParaRPr lang="en-US" altLang="en-US" sz="3800" dirty="0">
+                  <a:solidFill>
+                    <a:schemeClr val="tx1"/>
+                  </a:solidFill>
+                  <a:latin typeface="Helvetica" panose="020B0604020202020204" pitchFamily="34" charset="0"/>
+                  <a:cs typeface="Helvetica" panose="020B0604020202020204" pitchFamily="34" charset="0"/>
+                  <a:sym typeface="Helvetica" panose="020B0604020202020204" pitchFamily="34" charset="0"/>
+                </a:endParaRPr>
+              </a:p>
+            </p:txBody>
+          </p:sp>
+          <p:sp>
+            <p:nvSpPr>
+              <p:cNvPr id="36" name="Rectangle 35"/>
+              <p:cNvSpPr/>
+              <p:nvPr/>
+            </p:nvSpPr>
+            <p:spPr>
+              <a:xfrm>
+                <a:off x="37583308" y="5838271"/>
+                <a:ext cx="5915273" cy="1301646"/>
+              </a:xfrm>
+              <a:prstGeom prst="rect">
+                <a:avLst/>
+              </a:prstGeom>
+              <a:solidFill>
+                <a:srgbClr val="D9C6E4"/>
+              </a:solidFill>
+              <a:ln>
                 <a:solidFill>
                   <a:schemeClr val="tx1"/>
                 </a:solidFill>
-                <a:latin typeface="Helvetica" panose="020B0604020202020204" pitchFamily="34" charset="0"/>
-                <a:cs typeface="Helvetica" panose="020B0604020202020204" pitchFamily="34" charset="0"/>
-                <a:sym typeface="Helvetica" panose="020B0604020202020204" pitchFamily="34" charset="0"/>
-              </a:rPr>
-              <a:t> </a:t>
-            </a:r>
-            <a:r>
-              <a:rPr lang="en-US" altLang="en-US" sz="4400" dirty="0" smtClean="0">
+              </a:ln>
+              <a:effectLst>
+                <a:outerShdw blurRad="50800" dist="50800" dir="5400000" algn="ctr" rotWithShape="0">
+                  <a:srgbClr val="000000">
+                    <a:alpha val="39000"/>
+                  </a:srgbClr>
+                </a:outerShdw>
+              </a:effectLst>
+            </p:spPr>
+            <p:style>
+              <a:lnRef idx="2">
+                <a:schemeClr val="accent1">
+                  <a:shade val="50000"/>
+                </a:schemeClr>
+              </a:lnRef>
+              <a:fillRef idx="1">
+                <a:schemeClr val="accent1"/>
+              </a:fillRef>
+              <a:effectRef idx="0">
+                <a:schemeClr val="accent1"/>
+              </a:effectRef>
+              <a:fontRef idx="minor">
+                <a:schemeClr val="lt1"/>
+              </a:fontRef>
+            </p:style>
+            <p:txBody>
+              <a:bodyPr rtlCol="0" anchor="ctr"/>
+              <a:lstStyle/>
+              <a:p>
+                <a:pPr algn="ctr"/>
+                <a:r>
+                  <a:rPr lang="en-US" altLang="en-US" sz="6600" b="1" dirty="0" smtClean="0">
+                    <a:solidFill>
+                      <a:schemeClr val="bg1"/>
+                    </a:solidFill>
+                    <a:latin typeface="Helvetica Neue Bold Condensed" pitchFamily="-111" charset="0"/>
+                    <a:sym typeface="Helvetica Neue Bold Condensed" pitchFamily="-111" charset="0"/>
+                  </a:rPr>
+                  <a:t>K-Means</a:t>
+                </a:r>
+                <a:endParaRPr lang="en-US" altLang="en-US" sz="7200" b="1" dirty="0">
+                  <a:solidFill>
+                    <a:schemeClr val="bg1"/>
+                  </a:solidFill>
+                  <a:latin typeface="Helvetica Neue Bold Condensed" pitchFamily="-111" charset="0"/>
+                  <a:sym typeface="Helvetica Neue Bold Condensed" pitchFamily="-111" charset="0"/>
+                </a:endParaRPr>
+              </a:p>
+            </p:txBody>
+          </p:sp>
+        </p:grpSp>
+        <p:grpSp>
+          <p:nvGrpSpPr>
+            <p:cNvPr id="2" name="Group 1"/>
+            <p:cNvGrpSpPr/>
+            <p:nvPr/>
+          </p:nvGrpSpPr>
+          <p:grpSpPr>
+            <a:xfrm>
+              <a:off x="14393058" y="5766661"/>
+              <a:ext cx="7491582" cy="8475454"/>
+              <a:chOff x="23049378" y="5838271"/>
+              <a:chExt cx="5915273" cy="8230995"/>
+            </a:xfrm>
+          </p:grpSpPr>
+          <p:sp>
+            <p:nvSpPr>
+              <p:cNvPr id="34" name="Rectangle 33"/>
+              <p:cNvSpPr/>
+              <p:nvPr/>
+            </p:nvSpPr>
+            <p:spPr>
+              <a:xfrm>
+                <a:off x="23049378" y="5838271"/>
+                <a:ext cx="5915273" cy="1301646"/>
+              </a:xfrm>
+              <a:prstGeom prst="rect">
+                <a:avLst/>
+              </a:prstGeom>
+              <a:solidFill>
+                <a:srgbClr val="D9C6E4"/>
+              </a:solidFill>
+              <a:ln>
                 <a:solidFill>
                   <a:schemeClr val="tx1"/>
                 </a:solidFill>
-                <a:latin typeface="Helvetica" panose="020B0604020202020204" pitchFamily="34" charset="0"/>
-                <a:cs typeface="Helvetica" panose="020B0604020202020204" pitchFamily="34" charset="0"/>
-                <a:sym typeface="Helvetica" panose="020B0604020202020204" pitchFamily="34" charset="0"/>
-              </a:rPr>
-              <a:t>function. The method picks a centroid of each,</a:t>
-            </a:r>
-            <a:r>
-              <a:rPr lang="en-US" altLang="en-US" sz="4400" i="1" dirty="0" smtClean="0">
+              </a:ln>
+              <a:effectLst>
+                <a:outerShdw blurRad="50800" dist="50800" dir="5400000" algn="ctr" rotWithShape="0">
+                  <a:srgbClr val="000000">
+                    <a:alpha val="39000"/>
+                  </a:srgbClr>
+                </a:outerShdw>
+              </a:effectLst>
+            </p:spPr>
+            <p:style>
+              <a:lnRef idx="2">
+                <a:schemeClr val="accent1">
+                  <a:shade val="50000"/>
+                </a:schemeClr>
+              </a:lnRef>
+              <a:fillRef idx="1">
+                <a:schemeClr val="accent1"/>
+              </a:fillRef>
+              <a:effectRef idx="0">
+                <a:schemeClr val="accent1"/>
+              </a:effectRef>
+              <a:fontRef idx="minor">
+                <a:schemeClr val="lt1"/>
+              </a:fontRef>
+            </p:style>
+            <p:txBody>
+              <a:bodyPr rtlCol="0" anchor="ctr"/>
+              <a:lstStyle/>
+              <a:p>
+                <a:pPr algn="ctr"/>
+                <a:r>
+                  <a:rPr lang="en-US" altLang="en-US" sz="6600" b="1" dirty="0" smtClean="0">
+                    <a:solidFill>
+                      <a:schemeClr val="bg1"/>
+                    </a:solidFill>
+                    <a:latin typeface="Helvetica Neue Bold Condensed" pitchFamily="-111" charset="0"/>
+                    <a:sym typeface="Helvetica Neue Bold Condensed" pitchFamily="-111" charset="0"/>
+                  </a:rPr>
+                  <a:t>Mean-shift</a:t>
+                </a:r>
+                <a:endParaRPr lang="en-US" altLang="en-US" sz="7200" b="1" dirty="0">
+                  <a:solidFill>
+                    <a:schemeClr val="bg1"/>
+                  </a:solidFill>
+                  <a:latin typeface="Helvetica Neue Bold Condensed" pitchFamily="-111" charset="0"/>
+                  <a:sym typeface="Helvetica Neue Bold Condensed" pitchFamily="-111" charset="0"/>
+                </a:endParaRPr>
+              </a:p>
+            </p:txBody>
+          </p:sp>
+          <p:sp>
+            <p:nvSpPr>
+              <p:cNvPr id="32" name="Rectangle 5"/>
+              <p:cNvSpPr>
+                <a:spLocks/>
+              </p:cNvSpPr>
+              <p:nvPr/>
+            </p:nvSpPr>
+            <p:spPr bwMode="auto">
+              <a:xfrm>
+                <a:off x="23049378" y="7498514"/>
+                <a:ext cx="5912171" cy="6570752"/>
+              </a:xfrm>
+              <a:prstGeom prst="rect">
+                <a:avLst/>
+              </a:prstGeom>
+              <a:solidFill>
+                <a:schemeClr val="accent3">
+                  <a:lumMod val="40000"/>
+                  <a:lumOff val="60000"/>
+                </a:schemeClr>
+              </a:solidFill>
+              <a:ln>
                 <a:solidFill>
                   <a:schemeClr val="tx1"/>
                 </a:solidFill>
-                <a:latin typeface="Helvetica" panose="020B0604020202020204" pitchFamily="34" charset="0"/>
-                <a:cs typeface="Helvetica" panose="020B0604020202020204" pitchFamily="34" charset="0"/>
-                <a:sym typeface="Helvetica" panose="020B0604020202020204" pitchFamily="34" charset="0"/>
-              </a:rPr>
-              <a:t> k</a:t>
-            </a:r>
-            <a:r>
-              <a:rPr lang="en-US" altLang="en-US" sz="4400" dirty="0" smtClean="0">
-                <a:solidFill>
-                  <a:schemeClr val="tx1"/>
-                </a:solidFill>
-                <a:latin typeface="Helvetica" panose="020B0604020202020204" pitchFamily="34" charset="0"/>
-                <a:cs typeface="Helvetica" panose="020B0604020202020204" pitchFamily="34" charset="0"/>
-                <a:sym typeface="Helvetica" panose="020B0604020202020204" pitchFamily="34" charset="0"/>
-              </a:rPr>
-              <a:t>, cluster, and assigns the closest points in the data set to each centroid. </a:t>
-            </a:r>
-            <a:endParaRPr lang="en-US" altLang="en-US" sz="4400" dirty="0">
+              </a:ln>
+              <a:extLst/>
+            </p:spPr>
+            <p:txBody>
+              <a:bodyPr lIns="0" tIns="0" rIns="0" bIns="0"/>
+              <a:lstStyle>
+                <a:lvl1pPr algn="ctr" defTabSz="784225">
+                  <a:defRPr sz="13700">
+                    <a:solidFill>
+                      <a:srgbClr val="000000"/>
+                    </a:solidFill>
+                    <a:latin typeface="Gill Sans" pitchFamily="-111" charset="0"/>
+                    <a:ea typeface="ヒラギノ角ゴ Pro W3" pitchFamily="-111" charset="-128"/>
+                    <a:sym typeface="Gill Sans" pitchFamily="-111" charset="0"/>
+                  </a:defRPr>
+                </a:lvl1pPr>
+                <a:lvl2pPr marL="37931725" indent="-37474525" algn="ctr" defTabSz="784225">
+                  <a:defRPr sz="13700">
+                    <a:solidFill>
+                      <a:srgbClr val="000000"/>
+                    </a:solidFill>
+                    <a:latin typeface="Gill Sans" pitchFamily="-111" charset="0"/>
+                    <a:ea typeface="ヒラギノ角ゴ Pro W3" pitchFamily="-111" charset="-128"/>
+                    <a:sym typeface="Gill Sans" pitchFamily="-111" charset="0"/>
+                  </a:defRPr>
+                </a:lvl2pPr>
+                <a:lvl3pPr algn="ctr" defTabSz="784225">
+                  <a:defRPr sz="13700">
+                    <a:solidFill>
+                      <a:srgbClr val="000000"/>
+                    </a:solidFill>
+                    <a:latin typeface="Gill Sans" pitchFamily="-111" charset="0"/>
+                    <a:ea typeface="ヒラギノ角ゴ Pro W3" pitchFamily="-111" charset="-128"/>
+                    <a:sym typeface="Gill Sans" pitchFamily="-111" charset="0"/>
+                  </a:defRPr>
+                </a:lvl3pPr>
+                <a:lvl4pPr algn="ctr" defTabSz="784225">
+                  <a:defRPr sz="13700">
+                    <a:solidFill>
+                      <a:srgbClr val="000000"/>
+                    </a:solidFill>
+                    <a:latin typeface="Gill Sans" pitchFamily="-111" charset="0"/>
+                    <a:ea typeface="ヒラギノ角ゴ Pro W3" pitchFamily="-111" charset="-128"/>
+                    <a:sym typeface="Gill Sans" pitchFamily="-111" charset="0"/>
+                  </a:defRPr>
+                </a:lvl4pPr>
+                <a:lvl5pPr algn="ctr" defTabSz="784225">
+                  <a:defRPr sz="13700">
+                    <a:solidFill>
+                      <a:srgbClr val="000000"/>
+                    </a:solidFill>
+                    <a:latin typeface="Gill Sans" pitchFamily="-111" charset="0"/>
+                    <a:ea typeface="ヒラギノ角ゴ Pro W3" pitchFamily="-111" charset="-128"/>
+                    <a:sym typeface="Gill Sans" pitchFamily="-111" charset="0"/>
+                  </a:defRPr>
+                </a:lvl5pPr>
+                <a:lvl6pPr marL="4090988" indent="-1804988" algn="ctr" defTabSz="784225" eaLnBrk="0" fontAlgn="base" hangingPunct="0">
+                  <a:spcBef>
+                    <a:spcPct val="0"/>
+                  </a:spcBef>
+                  <a:spcAft>
+                    <a:spcPct val="0"/>
+                  </a:spcAft>
+                  <a:defRPr sz="13700">
+                    <a:solidFill>
+                      <a:srgbClr val="000000"/>
+                    </a:solidFill>
+                    <a:latin typeface="Gill Sans" pitchFamily="-111" charset="0"/>
+                    <a:ea typeface="ヒラギノ角ゴ Pro W3" pitchFamily="-111" charset="-128"/>
+                    <a:sym typeface="Gill Sans" pitchFamily="-111" charset="0"/>
+                  </a:defRPr>
+                </a:lvl6pPr>
+                <a:lvl7pPr marL="4548188" indent="-1804988" algn="ctr" defTabSz="784225" eaLnBrk="0" fontAlgn="base" hangingPunct="0">
+                  <a:spcBef>
+                    <a:spcPct val="0"/>
+                  </a:spcBef>
+                  <a:spcAft>
+                    <a:spcPct val="0"/>
+                  </a:spcAft>
+                  <a:defRPr sz="13700">
+                    <a:solidFill>
+                      <a:srgbClr val="000000"/>
+                    </a:solidFill>
+                    <a:latin typeface="Gill Sans" pitchFamily="-111" charset="0"/>
+                    <a:ea typeface="ヒラギノ角ゴ Pro W3" pitchFamily="-111" charset="-128"/>
+                    <a:sym typeface="Gill Sans" pitchFamily="-111" charset="0"/>
+                  </a:defRPr>
+                </a:lvl7pPr>
+                <a:lvl8pPr marL="5005388" indent="-1804988" algn="ctr" defTabSz="784225" eaLnBrk="0" fontAlgn="base" hangingPunct="0">
+                  <a:spcBef>
+                    <a:spcPct val="0"/>
+                  </a:spcBef>
+                  <a:spcAft>
+                    <a:spcPct val="0"/>
+                  </a:spcAft>
+                  <a:defRPr sz="13700">
+                    <a:solidFill>
+                      <a:srgbClr val="000000"/>
+                    </a:solidFill>
+                    <a:latin typeface="Gill Sans" pitchFamily="-111" charset="0"/>
+                    <a:ea typeface="ヒラギノ角ゴ Pro W3" pitchFamily="-111" charset="-128"/>
+                    <a:sym typeface="Gill Sans" pitchFamily="-111" charset="0"/>
+                  </a:defRPr>
+                </a:lvl8pPr>
+                <a:lvl9pPr marL="5462588" indent="-1804988" algn="ctr" defTabSz="784225" eaLnBrk="0" fontAlgn="base" hangingPunct="0">
+                  <a:spcBef>
+                    <a:spcPct val="0"/>
+                  </a:spcBef>
+                  <a:spcAft>
+                    <a:spcPct val="0"/>
+                  </a:spcAft>
+                  <a:defRPr sz="13700">
+                    <a:solidFill>
+                      <a:srgbClr val="000000"/>
+                    </a:solidFill>
+                    <a:latin typeface="Gill Sans" pitchFamily="-111" charset="0"/>
+                    <a:ea typeface="ヒラギノ角ゴ Pro W3" pitchFamily="-111" charset="-128"/>
+                    <a:sym typeface="Gill Sans" pitchFamily="-111" charset="0"/>
+                  </a:defRPr>
+                </a:lvl9pPr>
+              </a:lstStyle>
+              <a:p>
+                <a:pPr algn="just" eaLnBrk="1" hangingPunct="1">
+                  <a:lnSpc>
+                    <a:spcPct val="110000"/>
+                  </a:lnSpc>
+                </a:pPr>
+                <a:r>
+                  <a:rPr lang="en-US" altLang="en-US" sz="3700" dirty="0" smtClean="0">
+                    <a:solidFill>
+                      <a:schemeClr val="tx1"/>
+                    </a:solidFill>
+                    <a:latin typeface="Helvetica" panose="020B0604020202020204" pitchFamily="34" charset="0"/>
+                    <a:cs typeface="Helvetica" panose="020B0604020202020204" pitchFamily="34" charset="0"/>
+                    <a:sym typeface="Helvetica" panose="020B0604020202020204" pitchFamily="34" charset="0"/>
+                  </a:rPr>
+                  <a:t>Mean-shift clustering finds local modes or peaks in a nonparametric density estimate. The method assigns each data point with the closest peak, and determines the number of clusters. When applied to the data set, the mean-shift method identified areas between two combinations of wavelengths that had a high density of objects. </a:t>
+                </a:r>
+                <a:endParaRPr lang="en-US" altLang="en-US" sz="3700" dirty="0">
+                  <a:solidFill>
+                    <a:schemeClr val="tx1"/>
+                  </a:solidFill>
+                  <a:latin typeface="Helvetica" panose="020B0604020202020204" pitchFamily="34" charset="0"/>
+                  <a:cs typeface="Helvetica" panose="020B0604020202020204" pitchFamily="34" charset="0"/>
+                  <a:sym typeface="Helvetica" panose="020B0604020202020204" pitchFamily="34" charset="0"/>
+                </a:endParaRPr>
+              </a:p>
+            </p:txBody>
+          </p:sp>
+        </p:grpSp>
+      </p:grpSp>
+      <p:grpSp>
+        <p:nvGrpSpPr>
+          <p:cNvPr id="8" name="Group 7"/>
+          <p:cNvGrpSpPr/>
+          <p:nvPr/>
+        </p:nvGrpSpPr>
+        <p:grpSpPr>
+          <a:xfrm>
+            <a:off x="430467" y="16417417"/>
+            <a:ext cx="13557812" cy="6363978"/>
+            <a:chOff x="430467" y="16417417"/>
+            <a:chExt cx="13557812" cy="6363978"/>
+          </a:xfrm>
+        </p:grpSpPr>
+        <p:pic>
+          <p:nvPicPr>
+            <p:cNvPr id="3" name="Picture 2"/>
+            <p:cNvPicPr>
+              <a:picLocks noChangeAspect="1"/>
+            </p:cNvPicPr>
+            <p:nvPr/>
+          </p:nvPicPr>
+          <p:blipFill>
+            <a:blip r:embed="rId4">
+              <a:extLst>
+                <a:ext uri="{28A0092B-C50C-407E-A947-70E740481C1C}">
+                  <a14:useLocalDpi xmlns:a14="http://schemas.microsoft.com/office/drawing/2010/main" val="0"/>
+                </a:ext>
+              </a:extLst>
+            </a:blip>
+            <a:stretch>
+              <a:fillRect/>
+            </a:stretch>
+          </p:blipFill>
+          <p:spPr>
+            <a:xfrm>
+              <a:off x="430467" y="16417417"/>
+              <a:ext cx="13557812" cy="6363978"/>
+            </a:xfrm>
+            <a:prstGeom prst="rect">
+              <a:avLst/>
+            </a:prstGeom>
+          </p:spPr>
+        </p:pic>
+        <p:sp>
+          <p:nvSpPr>
+            <p:cNvPr id="4" name="Rectangle 3"/>
+            <p:cNvSpPr/>
+            <p:nvPr/>
+          </p:nvSpPr>
+          <p:spPr>
+            <a:xfrm>
+              <a:off x="2057400" y="22019395"/>
+              <a:ext cx="1866900" cy="723900"/>
+            </a:xfrm>
+            <a:prstGeom prst="rect">
+              <a:avLst/>
+            </a:prstGeom>
+            <a:noFill/>
+            <a:ln>
               <a:solidFill>
                 <a:schemeClr val="tx1"/>
               </a:solidFill>
-              <a:latin typeface="Helvetica" panose="020B0604020202020204" pitchFamily="34" charset="0"/>
-              <a:cs typeface="Helvetica" panose="020B0604020202020204" pitchFamily="34" charset="0"/>
-              <a:sym typeface="Helvetica" panose="020B0604020202020204" pitchFamily="34" charset="0"/>
-            </a:endParaRPr>
-          </a:p>
-        </p:txBody>
-      </p:sp>
-      <p:pic>
-        <p:nvPicPr>
-          <p:cNvPr id="2" name="Picture 1"/>
-          <p:cNvPicPr>
-            <a:picLocks noChangeAspect="1"/>
-          </p:cNvPicPr>
+            </a:ln>
+          </p:spPr>
+          <p:style>
+            <a:lnRef idx="2">
+              <a:schemeClr val="accent1">
+                <a:shade val="50000"/>
+              </a:schemeClr>
+            </a:lnRef>
+            <a:fillRef idx="1">
+              <a:schemeClr val="accent1"/>
+            </a:fillRef>
+            <a:effectRef idx="0">
+              <a:schemeClr val="accent1"/>
+            </a:effectRef>
+            <a:fontRef idx="minor">
+              <a:schemeClr val="lt1"/>
+            </a:fontRef>
+          </p:style>
+          <p:txBody>
+            <a:bodyPr rtlCol="0" anchor="ctr"/>
+            <a:lstStyle/>
+            <a:p>
+              <a:pPr algn="ctr"/>
+              <a:r>
+                <a:rPr lang="en-CA" sz="3200" b="1" dirty="0" smtClean="0"/>
+                <a:t>438w nm</a:t>
+              </a:r>
+              <a:endParaRPr lang="en-CA" sz="3200" b="1" dirty="0"/>
+            </a:p>
+          </p:txBody>
+        </p:sp>
+        <p:sp>
+          <p:nvSpPr>
+            <p:cNvPr id="27" name="Rectangle 26"/>
+            <p:cNvSpPr/>
+            <p:nvPr/>
+          </p:nvSpPr>
+          <p:spPr>
+            <a:xfrm>
+              <a:off x="9169303" y="18799306"/>
+              <a:ext cx="1866900" cy="723900"/>
+            </a:xfrm>
+            <a:prstGeom prst="rect">
+              <a:avLst/>
+            </a:prstGeom>
+            <a:noFill/>
+            <a:ln>
+              <a:solidFill>
+                <a:schemeClr val="tx1"/>
+              </a:solidFill>
+            </a:ln>
+          </p:spPr>
+          <p:style>
+            <a:lnRef idx="2">
+              <a:schemeClr val="accent1">
+                <a:shade val="50000"/>
+              </a:schemeClr>
+            </a:lnRef>
+            <a:fillRef idx="1">
+              <a:schemeClr val="accent1"/>
+            </a:fillRef>
+            <a:effectRef idx="0">
+              <a:schemeClr val="accent1"/>
+            </a:effectRef>
+            <a:fontRef idx="minor">
+              <a:schemeClr val="lt1"/>
+            </a:fontRef>
+          </p:style>
+          <p:txBody>
+            <a:bodyPr rtlCol="0" anchor="ctr"/>
+            <a:lstStyle/>
+            <a:p>
+              <a:pPr algn="ctr"/>
+              <a:r>
+                <a:rPr lang="en-CA" sz="3200" b="1" dirty="0" smtClean="0"/>
+                <a:t>814w nm</a:t>
+              </a:r>
+              <a:endParaRPr lang="en-CA" sz="3200" b="1" dirty="0"/>
+            </a:p>
+          </p:txBody>
+        </p:sp>
+        <p:sp>
+          <p:nvSpPr>
+            <p:cNvPr id="29" name="Rectangle 28"/>
+            <p:cNvSpPr/>
+            <p:nvPr/>
+          </p:nvSpPr>
+          <p:spPr>
+            <a:xfrm>
+              <a:off x="2057400" y="18799306"/>
+              <a:ext cx="1866900" cy="723900"/>
+            </a:xfrm>
+            <a:prstGeom prst="rect">
+              <a:avLst/>
+            </a:prstGeom>
+            <a:noFill/>
+            <a:ln>
+              <a:solidFill>
+                <a:schemeClr val="tx1"/>
+              </a:solidFill>
+            </a:ln>
+          </p:spPr>
+          <p:style>
+            <a:lnRef idx="2">
+              <a:schemeClr val="accent1">
+                <a:shade val="50000"/>
+              </a:schemeClr>
+            </a:lnRef>
+            <a:fillRef idx="1">
+              <a:schemeClr val="accent1"/>
+            </a:fillRef>
+            <a:effectRef idx="0">
+              <a:schemeClr val="accent1"/>
+            </a:effectRef>
+            <a:fontRef idx="minor">
+              <a:schemeClr val="lt1"/>
+            </a:fontRef>
+          </p:style>
+          <p:txBody>
+            <a:bodyPr rtlCol="0" anchor="ctr"/>
+            <a:lstStyle/>
+            <a:p>
+              <a:pPr algn="ctr"/>
+              <a:r>
+                <a:rPr lang="en-CA" sz="3200" b="1" dirty="0" smtClean="0"/>
+                <a:t>336w nm</a:t>
+              </a:r>
+              <a:endParaRPr lang="en-CA" sz="3200" b="1" dirty="0"/>
+            </a:p>
+          </p:txBody>
+        </p:sp>
+        <p:sp>
+          <p:nvSpPr>
+            <p:cNvPr id="30" name="Rectangle 29"/>
+            <p:cNvSpPr/>
+            <p:nvPr/>
+          </p:nvSpPr>
+          <p:spPr>
+            <a:xfrm>
+              <a:off x="9169303" y="22019395"/>
+              <a:ext cx="1866900" cy="723900"/>
+            </a:xfrm>
+            <a:prstGeom prst="rect">
+              <a:avLst/>
+            </a:prstGeom>
+            <a:noFill/>
+            <a:ln>
+              <a:solidFill>
+                <a:schemeClr val="tx1"/>
+              </a:solidFill>
+            </a:ln>
+          </p:spPr>
+          <p:style>
+            <a:lnRef idx="2">
+              <a:schemeClr val="accent1">
+                <a:shade val="50000"/>
+              </a:schemeClr>
+            </a:lnRef>
+            <a:fillRef idx="1">
+              <a:schemeClr val="accent1"/>
+            </a:fillRef>
+            <a:effectRef idx="0">
+              <a:schemeClr val="accent1"/>
+            </a:effectRef>
+            <a:fontRef idx="minor">
+              <a:schemeClr val="lt1"/>
+            </a:fontRef>
+          </p:style>
+          <p:txBody>
+            <a:bodyPr rtlCol="0" anchor="ctr"/>
+            <a:lstStyle/>
+            <a:p>
+              <a:pPr algn="ctr"/>
+              <a:r>
+                <a:rPr lang="en-CA" sz="3200" b="1" dirty="0" smtClean="0"/>
+                <a:t>657n nm</a:t>
+              </a:r>
+              <a:endParaRPr lang="en-CA" sz="3200" b="1" dirty="0"/>
+            </a:p>
+          </p:txBody>
+        </p:sp>
+      </p:grpSp>
+      <p:sp>
+        <p:nvSpPr>
+          <p:cNvPr id="10" name="Oval 9"/>
+          <p:cNvSpPr/>
           <p:nvPr/>
-        </p:nvPicPr>
-        <p:blipFill>
-          <a:blip r:embed="rId6">
-            <a:extLst>
-              <a:ext uri="{28A0092B-C50C-407E-A947-70E740481C1C}">
-                <a14:useLocalDpi xmlns:a14="http://schemas.microsoft.com/office/drawing/2010/main" val="0"/>
-              </a:ext>
-            </a:extLst>
-          </a:blip>
-          <a:stretch>
-            <a:fillRect/>
-          </a:stretch>
-        </p:blipFill>
+        </p:nvSpPr>
         <p:spPr>
           <a:xfrm>
-            <a:off x="27602486" y="25486815"/>
-            <a:ext cx="15906750" cy="6828839"/>
+            <a:off x="1771650" y="16421100"/>
+            <a:ext cx="628650" cy="590550"/>
           </a:xfrm>
-          <a:prstGeom prst="rect">
-            <a:avLst/>
-          </a:prstGeom>
-        </p:spPr>
-      </p:pic>
-      <p:pic>
-        <p:nvPicPr>
-          <p:cNvPr id="1026" name="Picture 2" descr="https://raw.githubusercontent.com/LaurethTeX/Clustering/8405676afbd8e804f0b78c447145b0c0d43e8629/NEDtoREGION-FILE/Screenshot%202014-08-05%2020.45.53.png"/>
-          <p:cNvPicPr>
-            <a:picLocks noChangeAspect="1" noChangeArrowheads="1"/>
-          </p:cNvPicPr>
-          <p:nvPr/>
-        </p:nvPicPr>
-        <p:blipFill>
-          <a:blip r:embed="rId7">
-            <a:extLst>
-              <a:ext uri="{28A0092B-C50C-407E-A947-70E740481C1C}">
-                <a14:useLocalDpi xmlns:a14="http://schemas.microsoft.com/office/drawing/2010/main" val="0"/>
-              </a:ext>
-            </a:extLst>
-          </a:blip>
-          <a:srcRect/>
-          <a:stretch>
-            <a:fillRect/>
-          </a:stretch>
-        </p:blipFill>
-        <p:spPr bwMode="auto">
-          <a:xfrm>
-            <a:off x="27602486" y="16417418"/>
-            <a:ext cx="15906750" cy="8886826"/>
-          </a:xfrm>
-          <a:prstGeom prst="rect">
+          <a:prstGeom prst="ellipse">
             <a:avLst/>
           </a:prstGeom>
           <a:noFill/>
-          <a:extLst>
-            <a:ext uri="{909E8E84-426E-40DD-AFC4-6F175D3DCCD1}">
-              <a14:hiddenFill xmlns:a14="http://schemas.microsoft.com/office/drawing/2010/main">
-                <a:solidFill>
-                  <a:srgbClr val="FFFFFF"/>
-                </a:solidFill>
-              </a14:hiddenFill>
-            </a:ext>
-          </a:extLst>
-        </p:spPr>
-      </p:pic>
-      <p:sp>
-        <p:nvSpPr>
-          <p:cNvPr id="34" name="Rectangle 33"/>
-          <p:cNvSpPr/>
-          <p:nvPr/>
-        </p:nvSpPr>
-        <p:spPr>
-          <a:xfrm>
-            <a:off x="23049378" y="5838271"/>
-            <a:ext cx="5915273" cy="1301646"/>
-          </a:xfrm>
-          <a:prstGeom prst="rect">
-            <a:avLst/>
-          </a:prstGeom>
-          <a:solidFill>
-            <a:srgbClr val="D9C6E4"/>
-          </a:solidFill>
-          <a:ln>
+          <a:ln w="38100">
             <a:solidFill>
-              <a:schemeClr val="tx1"/>
+              <a:srgbClr val="FF0000"/>
             </a:solidFill>
           </a:ln>
-          <a:effectLst>
-            <a:outerShdw blurRad="50800" dist="50800" dir="5400000" algn="ctr" rotWithShape="0">
-              <a:srgbClr val="000000">
-                <a:alpha val="39000"/>
-              </a:srgbClr>
-            </a:outerShdw>
-          </a:effectLst>
         </p:spPr>
         <p:style>
           <a:lnRef idx="2">
@@ -5384,55 +5462,30 @@
           <a:lstStyle/>
           <a:p>
             <a:pPr algn="ctr"/>
-            <a:r>
-              <a:rPr lang="en-US" altLang="en-US" sz="6600" b="1" dirty="0" smtClean="0">
-                <a:solidFill>
-                  <a:schemeClr val="bg1"/>
-                </a:solidFill>
-                <a:latin typeface="Helvetica Neue Bold Condensed" pitchFamily="-111" charset="0"/>
-                <a:sym typeface="Helvetica Neue Bold Condensed" pitchFamily="-111" charset="0"/>
-              </a:rPr>
-              <a:t>Mean-shift</a:t>
-            </a:r>
-            <a:endParaRPr lang="en-US" altLang="en-US" sz="7200" b="1" dirty="0">
-              <a:solidFill>
-                <a:schemeClr val="bg1"/>
-              </a:solidFill>
-              <a:latin typeface="Helvetica Neue Bold Condensed" pitchFamily="-111" charset="0"/>
-              <a:sym typeface="Helvetica Neue Bold Condensed" pitchFamily="-111" charset="0"/>
-            </a:endParaRPr>
-          </a:p>
-        </p:txBody>
-      </p:sp>
-      <p:sp>
-        <p:nvSpPr>
-          <p:cNvPr id="36" name="Rectangle 35"/>
+            <a:endParaRPr lang="en-CA"/>
+          </a:p>
+        </p:txBody>
+      </p:sp>
+      <p:sp>
+        <p:nvSpPr>
+          <p:cNvPr id="33" name="Oval 32"/>
           <p:cNvSpPr/>
           <p:nvPr/>
         </p:nvSpPr>
         <p:spPr>
           <a:xfrm>
-            <a:off x="37583308" y="5838271"/>
-            <a:ext cx="5915273" cy="1301646"/>
+            <a:off x="11362931" y="18246775"/>
+            <a:ext cx="628650" cy="590550"/>
           </a:xfrm>
-          <a:prstGeom prst="rect">
+          <a:prstGeom prst="ellipse">
             <a:avLst/>
           </a:prstGeom>
-          <a:solidFill>
-            <a:srgbClr val="D9C6E4"/>
-          </a:solidFill>
-          <a:ln>
+          <a:noFill/>
+          <a:ln w="38100">
             <a:solidFill>
-              <a:schemeClr val="tx1"/>
+              <a:schemeClr val="accent6"/>
             </a:solidFill>
           </a:ln>
-          <a:effectLst>
-            <a:outerShdw blurRad="50800" dist="50800" dir="5400000" algn="ctr" rotWithShape="0">
-              <a:srgbClr val="000000">
-                <a:alpha val="39000"/>
-              </a:srgbClr>
-            </a:outerShdw>
-          </a:effectLst>
         </p:spPr>
         <p:style>
           <a:lnRef idx="2">
@@ -5455,26 +5508,980 @@
           <a:lstStyle/>
           <a:p>
             <a:pPr algn="ctr"/>
-            <a:r>
-              <a:rPr lang="en-US" altLang="en-US" sz="6600" b="1" dirty="0" smtClean="0">
+            <a:endParaRPr lang="en-CA"/>
+          </a:p>
+        </p:txBody>
+      </p:sp>
+      <p:sp>
+        <p:nvSpPr>
+          <p:cNvPr id="37" name="Oval 36"/>
+          <p:cNvSpPr/>
+          <p:nvPr/>
+        </p:nvSpPr>
+        <p:spPr>
+          <a:xfrm>
+            <a:off x="1771650" y="19609968"/>
+            <a:ext cx="628650" cy="590550"/>
+          </a:xfrm>
+          <a:prstGeom prst="ellipse">
+            <a:avLst/>
+          </a:prstGeom>
+          <a:noFill/>
+          <a:ln w="38100">
+            <a:solidFill>
+              <a:srgbClr val="FF0000"/>
+            </a:solidFill>
+          </a:ln>
+        </p:spPr>
+        <p:style>
+          <a:lnRef idx="2">
+            <a:schemeClr val="accent1">
+              <a:shade val="50000"/>
+            </a:schemeClr>
+          </a:lnRef>
+          <a:fillRef idx="1">
+            <a:schemeClr val="accent1"/>
+          </a:fillRef>
+          <a:effectRef idx="0">
+            <a:schemeClr val="accent1"/>
+          </a:effectRef>
+          <a:fontRef idx="minor">
+            <a:schemeClr val="lt1"/>
+          </a:fontRef>
+        </p:style>
+        <p:txBody>
+          <a:bodyPr rtlCol="0" anchor="ctr"/>
+          <a:lstStyle/>
+          <a:p>
+            <a:pPr algn="ctr"/>
+            <a:endParaRPr lang="en-CA" dirty="0"/>
+          </a:p>
+        </p:txBody>
+      </p:sp>
+      <p:sp>
+        <p:nvSpPr>
+          <p:cNvPr id="38" name="Oval 37"/>
+          <p:cNvSpPr/>
+          <p:nvPr/>
+        </p:nvSpPr>
+        <p:spPr>
+          <a:xfrm>
+            <a:off x="9045478" y="16421100"/>
+            <a:ext cx="628650" cy="590550"/>
+          </a:xfrm>
+          <a:prstGeom prst="ellipse">
+            <a:avLst/>
+          </a:prstGeom>
+          <a:noFill/>
+          <a:ln w="38100">
+            <a:solidFill>
+              <a:srgbClr val="FF0000"/>
+            </a:solidFill>
+          </a:ln>
+        </p:spPr>
+        <p:style>
+          <a:lnRef idx="2">
+            <a:schemeClr val="accent1">
+              <a:shade val="50000"/>
+            </a:schemeClr>
+          </a:lnRef>
+          <a:fillRef idx="1">
+            <a:schemeClr val="accent1"/>
+          </a:fillRef>
+          <a:effectRef idx="0">
+            <a:schemeClr val="accent1"/>
+          </a:effectRef>
+          <a:fontRef idx="minor">
+            <a:schemeClr val="lt1"/>
+          </a:fontRef>
+        </p:style>
+        <p:txBody>
+          <a:bodyPr rtlCol="0" anchor="ctr"/>
+          <a:lstStyle/>
+          <a:p>
+            <a:pPr algn="ctr"/>
+            <a:endParaRPr lang="en-CA"/>
+          </a:p>
+        </p:txBody>
+      </p:sp>
+      <p:sp>
+        <p:nvSpPr>
+          <p:cNvPr id="39" name="Oval 38"/>
+          <p:cNvSpPr/>
+          <p:nvPr/>
+        </p:nvSpPr>
+        <p:spPr>
+          <a:xfrm>
+            <a:off x="9197878" y="19756040"/>
+            <a:ext cx="628650" cy="590550"/>
+          </a:xfrm>
+          <a:prstGeom prst="ellipse">
+            <a:avLst/>
+          </a:prstGeom>
+          <a:noFill/>
+          <a:ln w="38100">
+            <a:solidFill>
+              <a:srgbClr val="FF0000"/>
+            </a:solidFill>
+          </a:ln>
+        </p:spPr>
+        <p:style>
+          <a:lnRef idx="2">
+            <a:schemeClr val="accent1">
+              <a:shade val="50000"/>
+            </a:schemeClr>
+          </a:lnRef>
+          <a:fillRef idx="1">
+            <a:schemeClr val="accent1"/>
+          </a:fillRef>
+          <a:effectRef idx="0">
+            <a:schemeClr val="accent1"/>
+          </a:effectRef>
+          <a:fontRef idx="minor">
+            <a:schemeClr val="lt1"/>
+          </a:fontRef>
+        </p:style>
+        <p:txBody>
+          <a:bodyPr rtlCol="0" anchor="ctr"/>
+          <a:lstStyle/>
+          <a:p>
+            <a:pPr algn="ctr"/>
+            <a:endParaRPr lang="en-CA"/>
+          </a:p>
+        </p:txBody>
+      </p:sp>
+      <p:sp>
+        <p:nvSpPr>
+          <p:cNvPr id="40" name="Oval 39"/>
+          <p:cNvSpPr/>
+          <p:nvPr/>
+        </p:nvSpPr>
+        <p:spPr>
+          <a:xfrm>
+            <a:off x="4218844" y="18246775"/>
+            <a:ext cx="628650" cy="590550"/>
+          </a:xfrm>
+          <a:prstGeom prst="ellipse">
+            <a:avLst/>
+          </a:prstGeom>
+          <a:noFill/>
+          <a:ln w="38100">
+            <a:solidFill>
+              <a:schemeClr val="accent6"/>
+            </a:solidFill>
+          </a:ln>
+        </p:spPr>
+        <p:style>
+          <a:lnRef idx="2">
+            <a:schemeClr val="accent1">
+              <a:shade val="50000"/>
+            </a:schemeClr>
+          </a:lnRef>
+          <a:fillRef idx="1">
+            <a:schemeClr val="accent1"/>
+          </a:fillRef>
+          <a:effectRef idx="0">
+            <a:schemeClr val="accent1"/>
+          </a:effectRef>
+          <a:fontRef idx="minor">
+            <a:schemeClr val="lt1"/>
+          </a:fontRef>
+        </p:style>
+        <p:txBody>
+          <a:bodyPr rtlCol="0" anchor="ctr"/>
+          <a:lstStyle/>
+          <a:p>
+            <a:pPr algn="ctr"/>
+            <a:endParaRPr lang="en-CA"/>
+          </a:p>
+        </p:txBody>
+      </p:sp>
+      <p:sp>
+        <p:nvSpPr>
+          <p:cNvPr id="41" name="Oval 40"/>
+          <p:cNvSpPr/>
+          <p:nvPr/>
+        </p:nvSpPr>
+        <p:spPr>
+          <a:xfrm>
+            <a:off x="4218844" y="21552670"/>
+            <a:ext cx="628650" cy="590550"/>
+          </a:xfrm>
+          <a:prstGeom prst="ellipse">
+            <a:avLst/>
+          </a:prstGeom>
+          <a:noFill/>
+          <a:ln w="38100">
+            <a:solidFill>
+              <a:schemeClr val="accent6"/>
+            </a:solidFill>
+          </a:ln>
+        </p:spPr>
+        <p:style>
+          <a:lnRef idx="2">
+            <a:schemeClr val="accent1">
+              <a:shade val="50000"/>
+            </a:schemeClr>
+          </a:lnRef>
+          <a:fillRef idx="1">
+            <a:schemeClr val="accent1"/>
+          </a:fillRef>
+          <a:effectRef idx="0">
+            <a:schemeClr val="accent1"/>
+          </a:effectRef>
+          <a:fontRef idx="minor">
+            <a:schemeClr val="lt1"/>
+          </a:fontRef>
+        </p:style>
+        <p:txBody>
+          <a:bodyPr rtlCol="0" anchor="ctr"/>
+          <a:lstStyle/>
+          <a:p>
+            <a:pPr algn="ctr"/>
+            <a:endParaRPr lang="en-CA"/>
+          </a:p>
+        </p:txBody>
+      </p:sp>
+      <p:sp>
+        <p:nvSpPr>
+          <p:cNvPr id="42" name="Oval 41"/>
+          <p:cNvSpPr/>
+          <p:nvPr/>
+        </p:nvSpPr>
+        <p:spPr>
+          <a:xfrm>
+            <a:off x="11362931" y="21552670"/>
+            <a:ext cx="628650" cy="590550"/>
+          </a:xfrm>
+          <a:prstGeom prst="ellipse">
+            <a:avLst/>
+          </a:prstGeom>
+          <a:noFill/>
+          <a:ln w="38100">
+            <a:solidFill>
+              <a:schemeClr val="accent6"/>
+            </a:solidFill>
+          </a:ln>
+        </p:spPr>
+        <p:style>
+          <a:lnRef idx="2">
+            <a:schemeClr val="accent1">
+              <a:shade val="50000"/>
+            </a:schemeClr>
+          </a:lnRef>
+          <a:fillRef idx="1">
+            <a:schemeClr val="accent1"/>
+          </a:fillRef>
+          <a:effectRef idx="0">
+            <a:schemeClr val="accent1"/>
+          </a:effectRef>
+          <a:fontRef idx="minor">
+            <a:schemeClr val="lt1"/>
+          </a:fontRef>
+        </p:style>
+        <p:txBody>
+          <a:bodyPr rtlCol="0" anchor="ctr"/>
+          <a:lstStyle/>
+          <a:p>
+            <a:pPr algn="ctr"/>
+            <a:endParaRPr lang="en-CA"/>
+          </a:p>
+        </p:txBody>
+      </p:sp>
+      <p:sp>
+        <p:nvSpPr>
+          <p:cNvPr id="11" name="Oval 10"/>
+          <p:cNvSpPr/>
+          <p:nvPr/>
+        </p:nvSpPr>
+        <p:spPr>
+          <a:xfrm rot="19839819">
+            <a:off x="5350542" y="16369935"/>
+            <a:ext cx="990600" cy="1829358"/>
+          </a:xfrm>
+          <a:prstGeom prst="ellipse">
+            <a:avLst/>
+          </a:prstGeom>
+          <a:noFill/>
+          <a:ln w="38100">
+            <a:solidFill>
+              <a:schemeClr val="accent1"/>
+            </a:solidFill>
+          </a:ln>
+        </p:spPr>
+        <p:style>
+          <a:lnRef idx="2">
+            <a:schemeClr val="accent1">
+              <a:shade val="50000"/>
+            </a:schemeClr>
+          </a:lnRef>
+          <a:fillRef idx="1">
+            <a:schemeClr val="accent1"/>
+          </a:fillRef>
+          <a:effectRef idx="0">
+            <a:schemeClr val="accent1"/>
+          </a:effectRef>
+          <a:fontRef idx="minor">
+            <a:schemeClr val="lt1"/>
+          </a:fontRef>
+        </p:style>
+        <p:txBody>
+          <a:bodyPr rtlCol="0" anchor="ctr"/>
+          <a:lstStyle/>
+          <a:p>
+            <a:pPr algn="ctr"/>
+            <a:endParaRPr lang="en-CA"/>
+          </a:p>
+        </p:txBody>
+      </p:sp>
+      <p:sp>
+        <p:nvSpPr>
+          <p:cNvPr id="44" name="Oval 43"/>
+          <p:cNvSpPr/>
+          <p:nvPr/>
+        </p:nvSpPr>
+        <p:spPr>
+          <a:xfrm rot="19839819">
+            <a:off x="5350543" y="19585281"/>
+            <a:ext cx="990600" cy="1829358"/>
+          </a:xfrm>
+          <a:prstGeom prst="ellipse">
+            <a:avLst/>
+          </a:prstGeom>
+          <a:noFill/>
+          <a:ln w="38100">
+            <a:solidFill>
+              <a:schemeClr val="accent1"/>
+            </a:solidFill>
+          </a:ln>
+        </p:spPr>
+        <p:style>
+          <a:lnRef idx="2">
+            <a:schemeClr val="accent1">
+              <a:shade val="50000"/>
+            </a:schemeClr>
+          </a:lnRef>
+          <a:fillRef idx="1">
+            <a:schemeClr val="accent1"/>
+          </a:fillRef>
+          <a:effectRef idx="0">
+            <a:schemeClr val="accent1"/>
+          </a:effectRef>
+          <a:fontRef idx="minor">
+            <a:schemeClr val="lt1"/>
+          </a:fontRef>
+        </p:style>
+        <p:txBody>
+          <a:bodyPr rtlCol="0" anchor="ctr"/>
+          <a:lstStyle/>
+          <a:p>
+            <a:pPr algn="ctr"/>
+            <a:endParaRPr lang="en-CA"/>
+          </a:p>
+        </p:txBody>
+      </p:sp>
+      <p:sp>
+        <p:nvSpPr>
+          <p:cNvPr id="45" name="Oval 44"/>
+          <p:cNvSpPr/>
+          <p:nvPr/>
+        </p:nvSpPr>
+        <p:spPr>
+          <a:xfrm rot="19839819">
+            <a:off x="12613063" y="16369936"/>
+            <a:ext cx="990600" cy="1829358"/>
+          </a:xfrm>
+          <a:prstGeom prst="ellipse">
+            <a:avLst/>
+          </a:prstGeom>
+          <a:noFill/>
+          <a:ln w="38100">
+            <a:solidFill>
+              <a:schemeClr val="accent1"/>
+            </a:solidFill>
+          </a:ln>
+        </p:spPr>
+        <p:style>
+          <a:lnRef idx="2">
+            <a:schemeClr val="accent1">
+              <a:shade val="50000"/>
+            </a:schemeClr>
+          </a:lnRef>
+          <a:fillRef idx="1">
+            <a:schemeClr val="accent1"/>
+          </a:fillRef>
+          <a:effectRef idx="0">
+            <a:schemeClr val="accent1"/>
+          </a:effectRef>
+          <a:fontRef idx="minor">
+            <a:schemeClr val="lt1"/>
+          </a:fontRef>
+        </p:style>
+        <p:txBody>
+          <a:bodyPr rtlCol="0" anchor="ctr"/>
+          <a:lstStyle/>
+          <a:p>
+            <a:pPr algn="ctr"/>
+            <a:endParaRPr lang="en-CA"/>
+          </a:p>
+        </p:txBody>
+      </p:sp>
+      <p:sp>
+        <p:nvSpPr>
+          <p:cNvPr id="46" name="Oval 45"/>
+          <p:cNvSpPr/>
+          <p:nvPr/>
+        </p:nvSpPr>
+        <p:spPr>
+          <a:xfrm rot="19839819">
+            <a:off x="12550516" y="19585281"/>
+            <a:ext cx="990600" cy="1829358"/>
+          </a:xfrm>
+          <a:prstGeom prst="ellipse">
+            <a:avLst/>
+          </a:prstGeom>
+          <a:noFill/>
+          <a:ln w="38100">
+            <a:solidFill>
+              <a:schemeClr val="accent1"/>
+            </a:solidFill>
+          </a:ln>
+        </p:spPr>
+        <p:style>
+          <a:lnRef idx="2">
+            <a:schemeClr val="accent1">
+              <a:shade val="50000"/>
+            </a:schemeClr>
+          </a:lnRef>
+          <a:fillRef idx="1">
+            <a:schemeClr val="accent1"/>
+          </a:fillRef>
+          <a:effectRef idx="0">
+            <a:schemeClr val="accent1"/>
+          </a:effectRef>
+          <a:fontRef idx="minor">
+            <a:schemeClr val="lt1"/>
+          </a:fontRef>
+        </p:style>
+        <p:txBody>
+          <a:bodyPr rtlCol="0" anchor="ctr"/>
+          <a:lstStyle/>
+          <a:p>
+            <a:pPr algn="ctr"/>
+            <a:endParaRPr lang="en-CA"/>
+          </a:p>
+        </p:txBody>
+      </p:sp>
+      <p:grpSp>
+        <p:nvGrpSpPr>
+          <p:cNvPr id="43" name="Group 42"/>
+          <p:cNvGrpSpPr/>
+          <p:nvPr/>
+        </p:nvGrpSpPr>
+        <p:grpSpPr>
+          <a:xfrm>
+            <a:off x="14299232" y="5768227"/>
+            <a:ext cx="13336854" cy="8473888"/>
+            <a:chOff x="37583308" y="5838271"/>
+            <a:chExt cx="11677117" cy="8300140"/>
+          </a:xfrm>
+        </p:grpSpPr>
+        <p:sp>
+          <p:nvSpPr>
+            <p:cNvPr id="47" name="Rectangle 5"/>
+            <p:cNvSpPr>
+              <a:spLocks/>
+            </p:cNvSpPr>
+            <p:nvPr/>
+          </p:nvSpPr>
+          <p:spPr bwMode="auto">
+            <a:xfrm>
+              <a:off x="37583308" y="7498513"/>
+              <a:ext cx="5915273" cy="6639898"/>
+            </a:xfrm>
+            <a:prstGeom prst="rect">
+              <a:avLst/>
+            </a:prstGeom>
+            <a:solidFill>
+              <a:schemeClr val="accent3">
+                <a:lumMod val="40000"/>
+                <a:lumOff val="60000"/>
+              </a:schemeClr>
+            </a:solidFill>
+            <a:ln>
+              <a:solidFill>
+                <a:schemeClr val="tx1"/>
+              </a:solidFill>
+            </a:ln>
+            <a:extLst/>
+          </p:spPr>
+          <p:txBody>
+            <a:bodyPr lIns="0" tIns="0" rIns="0" bIns="0"/>
+            <a:lstStyle>
+              <a:lvl1pPr algn="ctr" defTabSz="784225">
+                <a:defRPr sz="13700">
+                  <a:solidFill>
+                    <a:srgbClr val="000000"/>
+                  </a:solidFill>
+                  <a:latin typeface="Gill Sans" pitchFamily="-111" charset="0"/>
+                  <a:ea typeface="ヒラギノ角ゴ Pro W3" pitchFamily="-111" charset="-128"/>
+                  <a:sym typeface="Gill Sans" pitchFamily="-111" charset="0"/>
+                </a:defRPr>
+              </a:lvl1pPr>
+              <a:lvl2pPr marL="37931725" indent="-37474525" algn="ctr" defTabSz="784225">
+                <a:defRPr sz="13700">
+                  <a:solidFill>
+                    <a:srgbClr val="000000"/>
+                  </a:solidFill>
+                  <a:latin typeface="Gill Sans" pitchFamily="-111" charset="0"/>
+                  <a:ea typeface="ヒラギノ角ゴ Pro W3" pitchFamily="-111" charset="-128"/>
+                  <a:sym typeface="Gill Sans" pitchFamily="-111" charset="0"/>
+                </a:defRPr>
+              </a:lvl2pPr>
+              <a:lvl3pPr algn="ctr" defTabSz="784225">
+                <a:defRPr sz="13700">
+                  <a:solidFill>
+                    <a:srgbClr val="000000"/>
+                  </a:solidFill>
+                  <a:latin typeface="Gill Sans" pitchFamily="-111" charset="0"/>
+                  <a:ea typeface="ヒラギノ角ゴ Pro W3" pitchFamily="-111" charset="-128"/>
+                  <a:sym typeface="Gill Sans" pitchFamily="-111" charset="0"/>
+                </a:defRPr>
+              </a:lvl3pPr>
+              <a:lvl4pPr algn="ctr" defTabSz="784225">
+                <a:defRPr sz="13700">
+                  <a:solidFill>
+                    <a:srgbClr val="000000"/>
+                  </a:solidFill>
+                  <a:latin typeface="Gill Sans" pitchFamily="-111" charset="0"/>
+                  <a:ea typeface="ヒラギノ角ゴ Pro W3" pitchFamily="-111" charset="-128"/>
+                  <a:sym typeface="Gill Sans" pitchFamily="-111" charset="0"/>
+                </a:defRPr>
+              </a:lvl4pPr>
+              <a:lvl5pPr algn="ctr" defTabSz="784225">
+                <a:defRPr sz="13700">
+                  <a:solidFill>
+                    <a:srgbClr val="000000"/>
+                  </a:solidFill>
+                  <a:latin typeface="Gill Sans" pitchFamily="-111" charset="0"/>
+                  <a:ea typeface="ヒラギノ角ゴ Pro W3" pitchFamily="-111" charset="-128"/>
+                  <a:sym typeface="Gill Sans" pitchFamily="-111" charset="0"/>
+                </a:defRPr>
+              </a:lvl5pPr>
+              <a:lvl6pPr marL="4090988" indent="-1804988" algn="ctr" defTabSz="784225" eaLnBrk="0" fontAlgn="base" hangingPunct="0">
+                <a:spcBef>
+                  <a:spcPct val="0"/>
+                </a:spcBef>
+                <a:spcAft>
+                  <a:spcPct val="0"/>
+                </a:spcAft>
+                <a:defRPr sz="13700">
+                  <a:solidFill>
+                    <a:srgbClr val="000000"/>
+                  </a:solidFill>
+                  <a:latin typeface="Gill Sans" pitchFamily="-111" charset="0"/>
+                  <a:ea typeface="ヒラギノ角ゴ Pro W3" pitchFamily="-111" charset="-128"/>
+                  <a:sym typeface="Gill Sans" pitchFamily="-111" charset="0"/>
+                </a:defRPr>
+              </a:lvl6pPr>
+              <a:lvl7pPr marL="4548188" indent="-1804988" algn="ctr" defTabSz="784225" eaLnBrk="0" fontAlgn="base" hangingPunct="0">
+                <a:spcBef>
+                  <a:spcPct val="0"/>
+                </a:spcBef>
+                <a:spcAft>
+                  <a:spcPct val="0"/>
+                </a:spcAft>
+                <a:defRPr sz="13700">
+                  <a:solidFill>
+                    <a:srgbClr val="000000"/>
+                  </a:solidFill>
+                  <a:latin typeface="Gill Sans" pitchFamily="-111" charset="0"/>
+                  <a:ea typeface="ヒラギノ角ゴ Pro W3" pitchFamily="-111" charset="-128"/>
+                  <a:sym typeface="Gill Sans" pitchFamily="-111" charset="0"/>
+                </a:defRPr>
+              </a:lvl7pPr>
+              <a:lvl8pPr marL="5005388" indent="-1804988" algn="ctr" defTabSz="784225" eaLnBrk="0" fontAlgn="base" hangingPunct="0">
+                <a:spcBef>
+                  <a:spcPct val="0"/>
+                </a:spcBef>
+                <a:spcAft>
+                  <a:spcPct val="0"/>
+                </a:spcAft>
+                <a:defRPr sz="13700">
+                  <a:solidFill>
+                    <a:srgbClr val="000000"/>
+                  </a:solidFill>
+                  <a:latin typeface="Gill Sans" pitchFamily="-111" charset="0"/>
+                  <a:ea typeface="ヒラギノ角ゴ Pro W3" pitchFamily="-111" charset="-128"/>
+                  <a:sym typeface="Gill Sans" pitchFamily="-111" charset="0"/>
+                </a:defRPr>
+              </a:lvl8pPr>
+              <a:lvl9pPr marL="5462588" indent="-1804988" algn="ctr" defTabSz="784225" eaLnBrk="0" fontAlgn="base" hangingPunct="0">
+                <a:spcBef>
+                  <a:spcPct val="0"/>
+                </a:spcBef>
+                <a:spcAft>
+                  <a:spcPct val="0"/>
+                </a:spcAft>
+                <a:defRPr sz="13700">
+                  <a:solidFill>
+                    <a:srgbClr val="000000"/>
+                  </a:solidFill>
+                  <a:latin typeface="Gill Sans" pitchFamily="-111" charset="0"/>
+                  <a:ea typeface="ヒラギノ角ゴ Pro W3" pitchFamily="-111" charset="-128"/>
+                  <a:sym typeface="Gill Sans" pitchFamily="-111" charset="0"/>
+                </a:defRPr>
+              </a:lvl9pPr>
+            </a:lstStyle>
+            <a:p>
+              <a:pPr algn="just" eaLnBrk="1" hangingPunct="1">
+                <a:lnSpc>
+                  <a:spcPct val="110000"/>
+                </a:lnSpc>
+              </a:pPr>
+              <a:r>
+                <a:rPr lang="en-US" altLang="en-US" sz="3700" dirty="0" smtClean="0">
+                  <a:solidFill>
+                    <a:schemeClr val="tx1"/>
+                  </a:solidFill>
+                  <a:latin typeface="Helvetica" panose="020B0604020202020204" pitchFamily="34" charset="0"/>
+                  <a:cs typeface="Helvetica" panose="020B0604020202020204" pitchFamily="34" charset="0"/>
+                  <a:sym typeface="Helvetica" panose="020B0604020202020204" pitchFamily="34" charset="0"/>
+                </a:rPr>
+                <a:t>Photometry is performed in an n-dimensional </a:t>
+              </a:r>
+              <a:r>
+                <a:rPr lang="en-US" altLang="en-US" sz="3700" dirty="0" err="1" smtClean="0">
+                  <a:solidFill>
+                    <a:schemeClr val="tx1"/>
+                  </a:solidFill>
+                  <a:latin typeface="Helvetica" panose="020B0604020202020204" pitchFamily="34" charset="0"/>
+                  <a:cs typeface="Helvetica" panose="020B0604020202020204" pitchFamily="34" charset="0"/>
+                  <a:sym typeface="Helvetica" panose="020B0604020202020204" pitchFamily="34" charset="0"/>
+                </a:rPr>
+                <a:t>colour</a:t>
+              </a:r>
+              <a:r>
+                <a:rPr lang="en-US" altLang="en-US" sz="3700" dirty="0" smtClean="0">
+                  <a:solidFill>
+                    <a:schemeClr val="tx1"/>
+                  </a:solidFill>
+                  <a:latin typeface="Helvetica" panose="020B0604020202020204" pitchFamily="34" charset="0"/>
+                  <a:cs typeface="Helvetica" panose="020B0604020202020204" pitchFamily="34" charset="0"/>
+                  <a:sym typeface="Helvetica" panose="020B0604020202020204" pitchFamily="34" charset="0"/>
+                </a:rPr>
+                <a:t> space. The physical location of the objects is not the primary concern, as that location does not describe the composition of the object. In order to understand an object’s composition, patterns in the </a:t>
+              </a:r>
+              <a:r>
+                <a:rPr lang="en-US" altLang="en-US" sz="3700" dirty="0" err="1" smtClean="0">
+                  <a:solidFill>
+                    <a:schemeClr val="tx1"/>
+                  </a:solidFill>
+                  <a:latin typeface="Helvetica" panose="020B0604020202020204" pitchFamily="34" charset="0"/>
+                  <a:cs typeface="Helvetica" panose="020B0604020202020204" pitchFamily="34" charset="0"/>
+                  <a:sym typeface="Helvetica" panose="020B0604020202020204" pitchFamily="34" charset="0"/>
+                </a:rPr>
+                <a:t>colour</a:t>
+              </a:r>
+              <a:r>
+                <a:rPr lang="en-US" altLang="en-US" sz="3700" dirty="0" smtClean="0">
+                  <a:solidFill>
+                    <a:schemeClr val="tx1"/>
+                  </a:solidFill>
+                  <a:latin typeface="Helvetica" panose="020B0604020202020204" pitchFamily="34" charset="0"/>
+                  <a:cs typeface="Helvetica" panose="020B0604020202020204" pitchFamily="34" charset="0"/>
+                  <a:sym typeface="Helvetica" panose="020B0604020202020204" pitchFamily="34" charset="0"/>
+                </a:rPr>
+                <a:t> space must be found using clustering algorithms. </a:t>
+              </a:r>
+              <a:endParaRPr lang="en-US" altLang="en-US" sz="3700" dirty="0">
+                <a:solidFill>
+                  <a:schemeClr val="tx1"/>
+                </a:solidFill>
+                <a:latin typeface="Helvetica" panose="020B0604020202020204" pitchFamily="34" charset="0"/>
+                <a:cs typeface="Helvetica" panose="020B0604020202020204" pitchFamily="34" charset="0"/>
+                <a:sym typeface="Helvetica" panose="020B0604020202020204" pitchFamily="34" charset="0"/>
+              </a:endParaRPr>
+            </a:p>
+          </p:txBody>
+        </p:sp>
+        <p:sp>
+          <p:nvSpPr>
+            <p:cNvPr id="48" name="Rectangle 47"/>
+            <p:cNvSpPr/>
+            <p:nvPr/>
+          </p:nvSpPr>
+          <p:spPr>
+            <a:xfrm>
+              <a:off x="37583308" y="5838271"/>
+              <a:ext cx="11677117" cy="1308998"/>
+            </a:xfrm>
+            <a:prstGeom prst="rect">
+              <a:avLst/>
+            </a:prstGeom>
+            <a:solidFill>
+              <a:srgbClr val="D9C6E4"/>
+            </a:solidFill>
+            <a:ln>
+              <a:solidFill>
+                <a:schemeClr val="tx1"/>
+              </a:solidFill>
+            </a:ln>
+            <a:effectLst>
+              <a:outerShdw blurRad="50800" dist="50800" dir="5400000" algn="ctr" rotWithShape="0">
+                <a:srgbClr val="000000">
+                  <a:alpha val="39000"/>
+                </a:srgbClr>
+              </a:outerShdw>
+            </a:effectLst>
+          </p:spPr>
+          <p:style>
+            <a:lnRef idx="2">
+              <a:schemeClr val="accent1">
+                <a:shade val="50000"/>
+              </a:schemeClr>
+            </a:lnRef>
+            <a:fillRef idx="1">
+              <a:schemeClr val="accent1"/>
+            </a:fillRef>
+            <a:effectRef idx="0">
+              <a:schemeClr val="accent1"/>
+            </a:effectRef>
+            <a:fontRef idx="minor">
+              <a:schemeClr val="lt1"/>
+            </a:fontRef>
+          </p:style>
+          <p:txBody>
+            <a:bodyPr rtlCol="0" anchor="ctr"/>
+            <a:lstStyle/>
+            <a:p>
+              <a:pPr algn="ctr"/>
+              <a:r>
+                <a:rPr lang="en-US" altLang="en-US" sz="6600" b="1" dirty="0" smtClean="0">
+                  <a:solidFill>
+                    <a:schemeClr val="bg1"/>
+                  </a:solidFill>
+                  <a:latin typeface="Helvetica Neue Bold Condensed" pitchFamily="-111" charset="0"/>
+                  <a:sym typeface="Helvetica Neue Bold Condensed" pitchFamily="-111" charset="0"/>
+                </a:rPr>
+                <a:t>Clustering</a:t>
+              </a:r>
+              <a:endParaRPr lang="en-US" altLang="en-US" sz="7200" b="1" dirty="0">
                 <a:solidFill>
                   <a:schemeClr val="bg1"/>
                 </a:solidFill>
                 <a:latin typeface="Helvetica Neue Bold Condensed" pitchFamily="-111" charset="0"/>
                 <a:sym typeface="Helvetica Neue Bold Condensed" pitchFamily="-111" charset="0"/>
-              </a:rPr>
-              <a:t>K-Means</a:t>
-            </a:r>
-            <a:endParaRPr lang="en-US" altLang="en-US" sz="7200" b="1" dirty="0">
+              </a:endParaRPr>
+            </a:p>
+          </p:txBody>
+        </p:sp>
+      </p:grpSp>
+      <p:pic>
+        <p:nvPicPr>
+          <p:cNvPr id="13" name="Picture 12"/>
+          <p:cNvPicPr>
+            <a:picLocks noChangeAspect="1"/>
+          </p:cNvPicPr>
+          <p:nvPr/>
+        </p:nvPicPr>
+        <p:blipFill>
+          <a:blip r:embed="rId5">
+            <a:extLst>
+              <a:ext uri="{28A0092B-C50C-407E-A947-70E740481C1C}">
+                <a14:useLocalDpi xmlns:a14="http://schemas.microsoft.com/office/drawing/2010/main" val="0"/>
+              </a:ext>
+            </a:extLst>
+          </a:blip>
+          <a:stretch>
+            <a:fillRect/>
+          </a:stretch>
+        </p:blipFill>
+        <p:spPr>
+          <a:xfrm>
+            <a:off x="29285722" y="16417416"/>
+            <a:ext cx="14223515" cy="7762741"/>
+          </a:xfrm>
+          <a:prstGeom prst="rect">
+            <a:avLst/>
+          </a:prstGeom>
+          <a:ln>
+            <a:solidFill>
+              <a:schemeClr val="tx1"/>
+            </a:solidFill>
+          </a:ln>
+        </p:spPr>
+      </p:pic>
+      <p:grpSp>
+        <p:nvGrpSpPr>
+          <p:cNvPr id="7168" name="Group 7167"/>
+          <p:cNvGrpSpPr/>
+          <p:nvPr/>
+        </p:nvGrpSpPr>
+        <p:grpSpPr>
+          <a:xfrm>
+            <a:off x="14360189" y="24538752"/>
+            <a:ext cx="14613120" cy="7952927"/>
+            <a:chOff x="14360189" y="24538752"/>
+            <a:chExt cx="14613120" cy="7952927"/>
+          </a:xfrm>
+        </p:grpSpPr>
+        <p:pic>
+          <p:nvPicPr>
+            <p:cNvPr id="24" name="Picture 23"/>
+            <p:cNvPicPr>
+              <a:picLocks noChangeAspect="1"/>
+            </p:cNvPicPr>
+            <p:nvPr/>
+          </p:nvPicPr>
+          <p:blipFill>
+            <a:blip r:embed="rId6">
+              <a:extLst>
+                <a:ext uri="{28A0092B-C50C-407E-A947-70E740481C1C}">
+                  <a14:useLocalDpi xmlns:a14="http://schemas.microsoft.com/office/drawing/2010/main" val="0"/>
+                </a:ext>
+              </a:extLst>
+            </a:blip>
+            <a:stretch>
+              <a:fillRect/>
+            </a:stretch>
+          </p:blipFill>
+          <p:spPr>
+            <a:xfrm>
+              <a:off x="21055274" y="24538752"/>
+              <a:ext cx="7918035" cy="7952927"/>
+            </a:xfrm>
+            <a:prstGeom prst="rect">
+              <a:avLst/>
+            </a:prstGeom>
+            <a:ln>
               <a:solidFill>
-                <a:schemeClr val="bg1"/>
+                <a:schemeClr val="tx1"/>
               </a:solidFill>
-              <a:latin typeface="Helvetica Neue Bold Condensed" pitchFamily="-111" charset="0"/>
-              <a:sym typeface="Helvetica Neue Bold Condensed" pitchFamily="-111" charset="0"/>
-            </a:endParaRPr>
-          </a:p>
-        </p:txBody>
-      </p:sp>
+            </a:ln>
+          </p:spPr>
+        </p:pic>
+        <p:pic>
+          <p:nvPicPr>
+            <p:cNvPr id="22" name="Picture 21"/>
+            <p:cNvPicPr>
+              <a:picLocks noChangeAspect="1"/>
+            </p:cNvPicPr>
+            <p:nvPr/>
+          </p:nvPicPr>
+          <p:blipFill>
+            <a:blip r:embed="rId7">
+              <a:extLst>
+                <a:ext uri="{28A0092B-C50C-407E-A947-70E740481C1C}">
+                  <a14:useLocalDpi xmlns:a14="http://schemas.microsoft.com/office/drawing/2010/main" val="0"/>
+                </a:ext>
+              </a:extLst>
+            </a:blip>
+            <a:stretch>
+              <a:fillRect/>
+            </a:stretch>
+          </p:blipFill>
+          <p:spPr>
+            <a:xfrm>
+              <a:off x="14360189" y="24538752"/>
+              <a:ext cx="7111287" cy="7952927"/>
+            </a:xfrm>
+            <a:prstGeom prst="rect">
+              <a:avLst/>
+            </a:prstGeom>
+            <a:ln>
+              <a:solidFill>
+                <a:schemeClr val="tx1"/>
+              </a:solidFill>
+            </a:ln>
+          </p:spPr>
+        </p:pic>
+      </p:grpSp>
+      <p:grpSp>
+        <p:nvGrpSpPr>
+          <p:cNvPr id="7171" name="Group 7170"/>
+          <p:cNvGrpSpPr/>
+          <p:nvPr/>
+        </p:nvGrpSpPr>
+        <p:grpSpPr>
+          <a:xfrm>
+            <a:off x="29285722" y="24538751"/>
+            <a:ext cx="14223514" cy="7952928"/>
+            <a:chOff x="29285722" y="24538751"/>
+            <a:chExt cx="14223514" cy="7952928"/>
+          </a:xfrm>
+        </p:grpSpPr>
+        <p:pic>
+          <p:nvPicPr>
+            <p:cNvPr id="7170" name="Picture 7169"/>
+            <p:cNvPicPr>
+              <a:picLocks noChangeAspect="1"/>
+            </p:cNvPicPr>
+            <p:nvPr/>
+          </p:nvPicPr>
+          <p:blipFill>
+            <a:blip r:embed="rId8">
+              <a:extLst>
+                <a:ext uri="{28A0092B-C50C-407E-A947-70E740481C1C}">
+                  <a14:useLocalDpi xmlns:a14="http://schemas.microsoft.com/office/drawing/2010/main" val="0"/>
+                </a:ext>
+              </a:extLst>
+            </a:blip>
+            <a:stretch>
+              <a:fillRect/>
+            </a:stretch>
+          </p:blipFill>
+          <p:spPr>
+            <a:xfrm>
+              <a:off x="36194021" y="24538751"/>
+              <a:ext cx="7315215" cy="7952928"/>
+            </a:xfrm>
+            <a:prstGeom prst="rect">
+              <a:avLst/>
+            </a:prstGeom>
+            <a:ln>
+              <a:solidFill>
+                <a:schemeClr val="tx1"/>
+              </a:solidFill>
+            </a:ln>
+          </p:spPr>
+        </p:pic>
+        <p:pic>
+          <p:nvPicPr>
+            <p:cNvPr id="7169" name="Picture 7168"/>
+            <p:cNvPicPr>
+              <a:picLocks noChangeAspect="1"/>
+            </p:cNvPicPr>
+            <p:nvPr/>
+          </p:nvPicPr>
+          <p:blipFill>
+            <a:blip r:embed="rId9">
+              <a:extLst>
+                <a:ext uri="{28A0092B-C50C-407E-A947-70E740481C1C}">
+                  <a14:useLocalDpi xmlns:a14="http://schemas.microsoft.com/office/drawing/2010/main" val="0"/>
+                </a:ext>
+              </a:extLst>
+            </a:blip>
+            <a:stretch>
+              <a:fillRect/>
+            </a:stretch>
+          </p:blipFill>
+          <p:spPr>
+            <a:xfrm>
+              <a:off x="29285722" y="24538752"/>
+              <a:ext cx="7315215" cy="7952927"/>
+            </a:xfrm>
+            <a:prstGeom prst="rect">
+              <a:avLst/>
+            </a:prstGeom>
+            <a:ln>
+              <a:solidFill>
+                <a:schemeClr val="tx1"/>
+              </a:solidFill>
+            </a:ln>
+          </p:spPr>
+        </p:pic>
+      </p:grpSp>
     </p:spTree>
     <p:extLst>
       <p:ext uri="{BB962C8B-B14F-4D97-AF65-F5344CB8AC3E}">
